--- a/1in1000.pptx
+++ b/1in1000.pptx
@@ -5,10 +5,10 @@
     <p:sldMasterId id="2147483666" r:id="rId4"/>
   </p:sldMasterIdLst>
   <p:notesMasterIdLst>
-    <p:notesMasterId r:id="rId23"/>
+    <p:notesMasterId r:id="rId24"/>
   </p:notesMasterIdLst>
   <p:handoutMasterIdLst>
-    <p:handoutMasterId r:id="rId24"/>
+    <p:handoutMasterId r:id="rId25"/>
   </p:handoutMasterIdLst>
   <p:sldIdLst>
     <p:sldId id="256" r:id="rId5"/>
@@ -19,16 +19,17 @@
     <p:sldId id="296" r:id="rId10"/>
     <p:sldId id="297" r:id="rId11"/>
     <p:sldId id="262" r:id="rId12"/>
-    <p:sldId id="266" r:id="rId13"/>
-    <p:sldId id="298" r:id="rId14"/>
-    <p:sldId id="299" r:id="rId15"/>
-    <p:sldId id="270" r:id="rId16"/>
-    <p:sldId id="275" r:id="rId17"/>
-    <p:sldId id="301" r:id="rId18"/>
-    <p:sldId id="300" r:id="rId19"/>
-    <p:sldId id="276" r:id="rId20"/>
-    <p:sldId id="289" r:id="rId21"/>
-    <p:sldId id="302" r:id="rId22"/>
+    <p:sldId id="303" r:id="rId13"/>
+    <p:sldId id="266" r:id="rId14"/>
+    <p:sldId id="298" r:id="rId15"/>
+    <p:sldId id="299" r:id="rId16"/>
+    <p:sldId id="270" r:id="rId17"/>
+    <p:sldId id="275" r:id="rId18"/>
+    <p:sldId id="301" r:id="rId19"/>
+    <p:sldId id="300" r:id="rId20"/>
+    <p:sldId id="276" r:id="rId21"/>
+    <p:sldId id="289" r:id="rId22"/>
+    <p:sldId id="302" r:id="rId23"/>
   </p:sldIdLst>
   <p:sldSz cx="12192000" cy="6858000"/>
   <p:notesSz cx="6858000" cy="9144000"/>
@@ -161,6 +162,316 @@
 </p:cmAuthorLst>
 </file>
 
+<file path=ppt/revisionInfo.xml><?xml version="1.0" encoding="utf-8"?>
+<p1510:revInfo xmlns:a="http://schemas.openxmlformats.org/drawingml/2006/main" xmlns:r="http://schemas.openxmlformats.org/officeDocument/2006/relationships" xmlns:p1510="http://schemas.microsoft.com/office/powerpoint/2015/10/main">
+  <p1510:revLst>
+    <p1510:client id="{14A3743F-7FCC-48D4-BCD4-A8367BC3FFB2}" v="5" dt="2024-02-21T22:22:24.441"/>
+  </p1510:revLst>
+</p1510:revInfo>
+</file>
+
+<file path=ppt/changesInfos/changesInfo1.xml><?xml version="1.0" encoding="utf-8"?>
+<pc:chgInfo xmlns:a="http://schemas.openxmlformats.org/drawingml/2006/main" xmlns:r="http://schemas.openxmlformats.org/officeDocument/2006/relationships" xmlns:ac="http://schemas.microsoft.com/office/drawing/2013/main/command" xmlns:pc="http://schemas.microsoft.com/office/powerpoint/2013/main/command">
+  <pc:docChgLst>
+    <pc:chgData name="Maxim Oweyssi" userId="98e8c1ed-979f-403f-afaa-f067e209f93f" providerId="ADAL" clId="{14A3743F-7FCC-48D4-BCD4-A8367BC3FFB2}"/>
+    <pc:docChg chg="custSel addSld modSld sldOrd">
+      <pc:chgData name="Maxim Oweyssi" userId="98e8c1ed-979f-403f-afaa-f067e209f93f" providerId="ADAL" clId="{14A3743F-7FCC-48D4-BCD4-A8367BC3FFB2}" dt="2024-02-22T07:49:12.164" v="114" actId="20577"/>
+      <pc:docMkLst>
+        <pc:docMk/>
+      </pc:docMkLst>
+      <pc:sldChg chg="modSp mod">
+        <pc:chgData name="Maxim Oweyssi" userId="98e8c1ed-979f-403f-afaa-f067e209f93f" providerId="ADAL" clId="{14A3743F-7FCC-48D4-BCD4-A8367BC3FFB2}" dt="2024-02-22T07:47:50.248" v="65" actId="313"/>
+        <pc:sldMkLst>
+          <pc:docMk/>
+          <pc:sldMk cId="1738561688" sldId="261"/>
+        </pc:sldMkLst>
+        <pc:spChg chg="mod">
+          <ac:chgData name="Maxim Oweyssi" userId="98e8c1ed-979f-403f-afaa-f067e209f93f" providerId="ADAL" clId="{14A3743F-7FCC-48D4-BCD4-A8367BC3FFB2}" dt="2024-02-22T07:47:37.001" v="64" actId="14100"/>
+          <ac:spMkLst>
+            <pc:docMk/>
+            <pc:sldMk cId="1738561688" sldId="261"/>
+            <ac:spMk id="7" creationId="{D7EB25CA-DA83-483D-AF83-0001BDF2DE2B}"/>
+          </ac:spMkLst>
+        </pc:spChg>
+        <pc:spChg chg="mod">
+          <ac:chgData name="Maxim Oweyssi" userId="98e8c1ed-979f-403f-afaa-f067e209f93f" providerId="ADAL" clId="{14A3743F-7FCC-48D4-BCD4-A8367BC3FFB2}" dt="2024-02-22T07:47:10.221" v="43" actId="20577"/>
+          <ac:spMkLst>
+            <pc:docMk/>
+            <pc:sldMk cId="1738561688" sldId="261"/>
+            <ac:spMk id="10" creationId="{02D305EF-9A88-496B-BFC1-D589A01EE381}"/>
+          </ac:spMkLst>
+        </pc:spChg>
+        <pc:spChg chg="mod">
+          <ac:chgData name="Maxim Oweyssi" userId="98e8c1ed-979f-403f-afaa-f067e209f93f" providerId="ADAL" clId="{14A3743F-7FCC-48D4-BCD4-A8367BC3FFB2}" dt="2024-02-22T07:47:50.248" v="65" actId="313"/>
+          <ac:spMkLst>
+            <pc:docMk/>
+            <pc:sldMk cId="1738561688" sldId="261"/>
+            <ac:spMk id="80" creationId="{81398ED2-66DB-46EA-8D89-B07A5C039997}"/>
+          </ac:spMkLst>
+        </pc:spChg>
+      </pc:sldChg>
+      <pc:sldChg chg="modSp mod">
+        <pc:chgData name="Maxim Oweyssi" userId="98e8c1ed-979f-403f-afaa-f067e209f93f" providerId="ADAL" clId="{14A3743F-7FCC-48D4-BCD4-A8367BC3FFB2}" dt="2024-02-22T07:48:13.271" v="71" actId="313"/>
+        <pc:sldMkLst>
+          <pc:docMk/>
+          <pc:sldMk cId="1593920805" sldId="262"/>
+        </pc:sldMkLst>
+        <pc:spChg chg="mod">
+          <ac:chgData name="Maxim Oweyssi" userId="98e8c1ed-979f-403f-afaa-f067e209f93f" providerId="ADAL" clId="{14A3743F-7FCC-48D4-BCD4-A8367BC3FFB2}" dt="2024-02-22T07:48:13.271" v="71" actId="313"/>
+          <ac:spMkLst>
+            <pc:docMk/>
+            <pc:sldMk cId="1593920805" sldId="262"/>
+            <ac:spMk id="81" creationId="{E94F1D24-E4A1-4B59-B57E-A28453963B88}"/>
+          </ac:spMkLst>
+        </pc:spChg>
+      </pc:sldChg>
+      <pc:sldChg chg="modSp mod">
+        <pc:chgData name="Maxim Oweyssi" userId="98e8c1ed-979f-403f-afaa-f067e209f93f" providerId="ADAL" clId="{14A3743F-7FCC-48D4-BCD4-A8367BC3FFB2}" dt="2024-02-22T07:48:16.087" v="72" actId="313"/>
+        <pc:sldMkLst>
+          <pc:docMk/>
+          <pc:sldMk cId="2121178069" sldId="266"/>
+        </pc:sldMkLst>
+        <pc:spChg chg="mod">
+          <ac:chgData name="Maxim Oweyssi" userId="98e8c1ed-979f-403f-afaa-f067e209f93f" providerId="ADAL" clId="{14A3743F-7FCC-48D4-BCD4-A8367BC3FFB2}" dt="2024-02-22T07:48:16.087" v="72" actId="313"/>
+          <ac:spMkLst>
+            <pc:docMk/>
+            <pc:sldMk cId="2121178069" sldId="266"/>
+            <ac:spMk id="10" creationId="{D2186069-FC8E-433D-9BB4-942220CE8CFB}"/>
+          </ac:spMkLst>
+        </pc:spChg>
+      </pc:sldChg>
+      <pc:sldChg chg="modSp mod">
+        <pc:chgData name="Maxim Oweyssi" userId="98e8c1ed-979f-403f-afaa-f067e209f93f" providerId="ADAL" clId="{14A3743F-7FCC-48D4-BCD4-A8367BC3FFB2}" dt="2024-02-22T07:48:59.439" v="112" actId="20577"/>
+        <pc:sldMkLst>
+          <pc:docMk/>
+          <pc:sldMk cId="1472106130" sldId="270"/>
+        </pc:sldMkLst>
+        <pc:spChg chg="mod">
+          <ac:chgData name="Maxim Oweyssi" userId="98e8c1ed-979f-403f-afaa-f067e209f93f" providerId="ADAL" clId="{14A3743F-7FCC-48D4-BCD4-A8367BC3FFB2}" dt="2024-02-22T07:48:59.439" v="112" actId="20577"/>
+          <ac:spMkLst>
+            <pc:docMk/>
+            <pc:sldMk cId="1472106130" sldId="270"/>
+            <ac:spMk id="5" creationId="{20E75224-81EB-4CDA-BBBE-44B4B2F3C039}"/>
+          </ac:spMkLst>
+        </pc:spChg>
+      </pc:sldChg>
+      <pc:sldChg chg="modSp mod">
+        <pc:chgData name="Maxim Oweyssi" userId="98e8c1ed-979f-403f-afaa-f067e209f93f" providerId="ADAL" clId="{14A3743F-7FCC-48D4-BCD4-A8367BC3FFB2}" dt="2024-02-21T22:21:47.209" v="4" actId="3626"/>
+        <pc:sldMkLst>
+          <pc:docMk/>
+          <pc:sldMk cId="2436493926" sldId="276"/>
+        </pc:sldMkLst>
+        <pc:spChg chg="mod">
+          <ac:chgData name="Maxim Oweyssi" userId="98e8c1ed-979f-403f-afaa-f067e209f93f" providerId="ADAL" clId="{14A3743F-7FCC-48D4-BCD4-A8367BC3FFB2}" dt="2024-02-21T22:21:47.209" v="4" actId="3626"/>
+          <ac:spMkLst>
+            <pc:docMk/>
+            <pc:sldMk cId="2436493926" sldId="276"/>
+            <ac:spMk id="3" creationId="{24AFFC60-19C3-4901-93F7-7AAF4C09F8C6}"/>
+          </ac:spMkLst>
+        </pc:spChg>
+      </pc:sldChg>
+      <pc:sldChg chg="modSp mod">
+        <pc:chgData name="Maxim Oweyssi" userId="98e8c1ed-979f-403f-afaa-f067e209f93f" providerId="ADAL" clId="{14A3743F-7FCC-48D4-BCD4-A8367BC3FFB2}" dt="2024-02-22T07:47:58.171" v="66" actId="313"/>
+        <pc:sldMkLst>
+          <pc:docMk/>
+          <pc:sldMk cId="2243494996" sldId="277"/>
+        </pc:sldMkLst>
+        <pc:spChg chg="mod">
+          <ac:chgData name="Maxim Oweyssi" userId="98e8c1ed-979f-403f-afaa-f067e209f93f" providerId="ADAL" clId="{14A3743F-7FCC-48D4-BCD4-A8367BC3FFB2}" dt="2024-02-22T07:47:58.171" v="66" actId="313"/>
+          <ac:spMkLst>
+            <pc:docMk/>
+            <pc:sldMk cId="2243494996" sldId="277"/>
+            <ac:spMk id="5" creationId="{AF29EA23-F34E-486A-B8B2-0C3019266975}"/>
+          </ac:spMkLst>
+        </pc:spChg>
+      </pc:sldChg>
+      <pc:sldChg chg="modSp mod">
+        <pc:chgData name="Maxim Oweyssi" userId="98e8c1ed-979f-403f-afaa-f067e209f93f" providerId="ADAL" clId="{14A3743F-7FCC-48D4-BCD4-A8367BC3FFB2}" dt="2024-02-22T07:48:02.586" v="67" actId="313"/>
+        <pc:sldMkLst>
+          <pc:docMk/>
+          <pc:sldMk cId="2576903929" sldId="294"/>
+        </pc:sldMkLst>
+        <pc:spChg chg="mod">
+          <ac:chgData name="Maxim Oweyssi" userId="98e8c1ed-979f-403f-afaa-f067e209f93f" providerId="ADAL" clId="{14A3743F-7FCC-48D4-BCD4-A8367BC3FFB2}" dt="2024-02-22T07:48:02.586" v="67" actId="313"/>
+          <ac:spMkLst>
+            <pc:docMk/>
+            <pc:sldMk cId="2576903929" sldId="294"/>
+            <ac:spMk id="81" creationId="{E94F1D24-E4A1-4B59-B57E-A28453963B88}"/>
+          </ac:spMkLst>
+        </pc:spChg>
+      </pc:sldChg>
+      <pc:sldChg chg="modSp mod">
+        <pc:chgData name="Maxim Oweyssi" userId="98e8c1ed-979f-403f-afaa-f067e209f93f" providerId="ADAL" clId="{14A3743F-7FCC-48D4-BCD4-A8367BC3FFB2}" dt="2024-02-22T07:48:04.739" v="68" actId="313"/>
+        <pc:sldMkLst>
+          <pc:docMk/>
+          <pc:sldMk cId="1058064288" sldId="295"/>
+        </pc:sldMkLst>
+        <pc:spChg chg="mod">
+          <ac:chgData name="Maxim Oweyssi" userId="98e8c1ed-979f-403f-afaa-f067e209f93f" providerId="ADAL" clId="{14A3743F-7FCC-48D4-BCD4-A8367BC3FFB2}" dt="2024-02-22T07:48:04.739" v="68" actId="313"/>
+          <ac:spMkLst>
+            <pc:docMk/>
+            <pc:sldMk cId="1058064288" sldId="295"/>
+            <ac:spMk id="81" creationId="{E94F1D24-E4A1-4B59-B57E-A28453963B88}"/>
+          </ac:spMkLst>
+        </pc:spChg>
+      </pc:sldChg>
+      <pc:sldChg chg="modSp mod">
+        <pc:chgData name="Maxim Oweyssi" userId="98e8c1ed-979f-403f-afaa-f067e209f93f" providerId="ADAL" clId="{14A3743F-7FCC-48D4-BCD4-A8367BC3FFB2}" dt="2024-02-22T07:48:07.721" v="69" actId="313"/>
+        <pc:sldMkLst>
+          <pc:docMk/>
+          <pc:sldMk cId="3349676123" sldId="296"/>
+        </pc:sldMkLst>
+        <pc:spChg chg="mod">
+          <ac:chgData name="Maxim Oweyssi" userId="98e8c1ed-979f-403f-afaa-f067e209f93f" providerId="ADAL" clId="{14A3743F-7FCC-48D4-BCD4-A8367BC3FFB2}" dt="2024-02-22T07:48:07.721" v="69" actId="313"/>
+          <ac:spMkLst>
+            <pc:docMk/>
+            <pc:sldMk cId="3349676123" sldId="296"/>
+            <ac:spMk id="81" creationId="{E94F1D24-E4A1-4B59-B57E-A28453963B88}"/>
+          </ac:spMkLst>
+        </pc:spChg>
+      </pc:sldChg>
+      <pc:sldChg chg="modSp mod">
+        <pc:chgData name="Maxim Oweyssi" userId="98e8c1ed-979f-403f-afaa-f067e209f93f" providerId="ADAL" clId="{14A3743F-7FCC-48D4-BCD4-A8367BC3FFB2}" dt="2024-02-22T07:48:10.220" v="70" actId="313"/>
+        <pc:sldMkLst>
+          <pc:docMk/>
+          <pc:sldMk cId="3113690905" sldId="297"/>
+        </pc:sldMkLst>
+        <pc:spChg chg="mod">
+          <ac:chgData name="Maxim Oweyssi" userId="98e8c1ed-979f-403f-afaa-f067e209f93f" providerId="ADAL" clId="{14A3743F-7FCC-48D4-BCD4-A8367BC3FFB2}" dt="2024-02-22T07:48:10.220" v="70" actId="313"/>
+          <ac:spMkLst>
+            <pc:docMk/>
+            <pc:sldMk cId="3113690905" sldId="297"/>
+            <ac:spMk id="81" creationId="{E94F1D24-E4A1-4B59-B57E-A28453963B88}"/>
+          </ac:spMkLst>
+        </pc:spChg>
+      </pc:sldChg>
+      <pc:sldChg chg="modSp mod">
+        <pc:chgData name="Maxim Oweyssi" userId="98e8c1ed-979f-403f-afaa-f067e209f93f" providerId="ADAL" clId="{14A3743F-7FCC-48D4-BCD4-A8367BC3FFB2}" dt="2024-02-22T07:48:20.227" v="73" actId="313"/>
+        <pc:sldMkLst>
+          <pc:docMk/>
+          <pc:sldMk cId="2136454211" sldId="298"/>
+        </pc:sldMkLst>
+        <pc:spChg chg="mod">
+          <ac:chgData name="Maxim Oweyssi" userId="98e8c1ed-979f-403f-afaa-f067e209f93f" providerId="ADAL" clId="{14A3743F-7FCC-48D4-BCD4-A8367BC3FFB2}" dt="2024-02-22T07:48:20.227" v="73" actId="313"/>
+          <ac:spMkLst>
+            <pc:docMk/>
+            <pc:sldMk cId="2136454211" sldId="298"/>
+            <ac:spMk id="10" creationId="{D2186069-FC8E-433D-9BB4-942220CE8CFB}"/>
+          </ac:spMkLst>
+        </pc:spChg>
+      </pc:sldChg>
+      <pc:sldChg chg="modSp mod">
+        <pc:chgData name="Maxim Oweyssi" userId="98e8c1ed-979f-403f-afaa-f067e209f93f" providerId="ADAL" clId="{14A3743F-7FCC-48D4-BCD4-A8367BC3FFB2}" dt="2024-02-22T07:48:55.890" v="111" actId="20577"/>
+        <pc:sldMkLst>
+          <pc:docMk/>
+          <pc:sldMk cId="2634603114" sldId="299"/>
+        </pc:sldMkLst>
+        <pc:spChg chg="mod">
+          <ac:chgData name="Maxim Oweyssi" userId="98e8c1ed-979f-403f-afaa-f067e209f93f" providerId="ADAL" clId="{14A3743F-7FCC-48D4-BCD4-A8367BC3FFB2}" dt="2024-02-22T07:48:55.890" v="111" actId="20577"/>
+          <ac:spMkLst>
+            <pc:docMk/>
+            <pc:sldMk cId="2634603114" sldId="299"/>
+            <ac:spMk id="10" creationId="{D2186069-FC8E-433D-9BB4-942220CE8CFB}"/>
+          </ac:spMkLst>
+        </pc:spChg>
+      </pc:sldChg>
+      <pc:sldChg chg="modSp mod">
+        <pc:chgData name="Maxim Oweyssi" userId="98e8c1ed-979f-403f-afaa-f067e209f93f" providerId="ADAL" clId="{14A3743F-7FCC-48D4-BCD4-A8367BC3FFB2}" dt="2024-02-21T22:21:58.476" v="8" actId="20577"/>
+        <pc:sldMkLst>
+          <pc:docMk/>
+          <pc:sldMk cId="449384325" sldId="300"/>
+        </pc:sldMkLst>
+        <pc:spChg chg="mod">
+          <ac:chgData name="Maxim Oweyssi" userId="98e8c1ed-979f-403f-afaa-f067e209f93f" providerId="ADAL" clId="{14A3743F-7FCC-48D4-BCD4-A8367BC3FFB2}" dt="2024-02-21T22:21:58.476" v="8" actId="20577"/>
+          <ac:spMkLst>
+            <pc:docMk/>
+            <pc:sldMk cId="449384325" sldId="300"/>
+            <ac:spMk id="4" creationId="{13F8C8B5-F6EC-489B-BD0F-CD89A73CAB3A}"/>
+          </ac:spMkLst>
+        </pc:spChg>
+      </pc:sldChg>
+      <pc:sldChg chg="modSp mod">
+        <pc:chgData name="Maxim Oweyssi" userId="98e8c1ed-979f-403f-afaa-f067e209f93f" providerId="ADAL" clId="{14A3743F-7FCC-48D4-BCD4-A8367BC3FFB2}" dt="2024-02-22T07:49:03.959" v="113" actId="20577"/>
+        <pc:sldMkLst>
+          <pc:docMk/>
+          <pc:sldMk cId="1513661061" sldId="301"/>
+        </pc:sldMkLst>
+        <pc:spChg chg="mod">
+          <ac:chgData name="Maxim Oweyssi" userId="98e8c1ed-979f-403f-afaa-f067e209f93f" providerId="ADAL" clId="{14A3743F-7FCC-48D4-BCD4-A8367BC3FFB2}" dt="2024-02-21T22:22:04.206" v="12" actId="20577"/>
+          <ac:spMkLst>
+            <pc:docMk/>
+            <pc:sldMk cId="1513661061" sldId="301"/>
+            <ac:spMk id="4" creationId="{7FDC0E0A-2715-4BF9-8659-0ED8629BA242}"/>
+          </ac:spMkLst>
+        </pc:spChg>
+        <pc:spChg chg="mod">
+          <ac:chgData name="Maxim Oweyssi" userId="98e8c1ed-979f-403f-afaa-f067e209f93f" providerId="ADAL" clId="{14A3743F-7FCC-48D4-BCD4-A8367BC3FFB2}" dt="2024-02-22T07:49:03.959" v="113" actId="20577"/>
+          <ac:spMkLst>
+            <pc:docMk/>
+            <pc:sldMk cId="1513661061" sldId="301"/>
+            <ac:spMk id="5" creationId="{20E75224-81EB-4CDA-BBBE-44B4B2F3C039}"/>
+          </ac:spMkLst>
+        </pc:spChg>
+      </pc:sldChg>
+      <pc:sldChg chg="modSp mod">
+        <pc:chgData name="Maxim Oweyssi" userId="98e8c1ed-979f-403f-afaa-f067e209f93f" providerId="ADAL" clId="{14A3743F-7FCC-48D4-BCD4-A8367BC3FFB2}" dt="2024-02-22T07:49:12.164" v="114" actId="20577"/>
+        <pc:sldMkLst>
+          <pc:docMk/>
+          <pc:sldMk cId="1854886525" sldId="302"/>
+        </pc:sldMkLst>
+        <pc:spChg chg="mod">
+          <ac:chgData name="Maxim Oweyssi" userId="98e8c1ed-979f-403f-afaa-f067e209f93f" providerId="ADAL" clId="{14A3743F-7FCC-48D4-BCD4-A8367BC3FFB2}" dt="2024-02-21T22:22:30.093" v="18" actId="20577"/>
+          <ac:spMkLst>
+            <pc:docMk/>
+            <pc:sldMk cId="1854886525" sldId="302"/>
+            <ac:spMk id="20" creationId="{A74D661B-510C-4CF2-BF77-3EAFB649883D}"/>
+          </ac:spMkLst>
+        </pc:spChg>
+        <pc:spChg chg="mod">
+          <ac:chgData name="Maxim Oweyssi" userId="98e8c1ed-979f-403f-afaa-f067e209f93f" providerId="ADAL" clId="{14A3743F-7FCC-48D4-BCD4-A8367BC3FFB2}" dt="2024-02-22T07:49:12.164" v="114" actId="20577"/>
+          <ac:spMkLst>
+            <pc:docMk/>
+            <pc:sldMk cId="1854886525" sldId="302"/>
+            <ac:spMk id="21" creationId="{7E44CAC0-3B5A-49F6-A2CB-0BC80D111A87}"/>
+          </ac:spMkLst>
+        </pc:spChg>
+      </pc:sldChg>
+      <pc:sldChg chg="modSp add mod ord">
+        <pc:chgData name="Maxim Oweyssi" userId="98e8c1ed-979f-403f-afaa-f067e209f93f" providerId="ADAL" clId="{14A3743F-7FCC-48D4-BCD4-A8367BC3FFB2}" dt="2024-02-22T07:48:50.018" v="110" actId="20577"/>
+        <pc:sldMkLst>
+          <pc:docMk/>
+          <pc:sldMk cId="3831927928" sldId="303"/>
+        </pc:sldMkLst>
+        <pc:spChg chg="mod">
+          <ac:chgData name="Maxim Oweyssi" userId="98e8c1ed-979f-403f-afaa-f067e209f93f" providerId="ADAL" clId="{14A3743F-7FCC-48D4-BCD4-A8367BC3FFB2}" dt="2024-02-22T07:48:32.348" v="77" actId="20577"/>
+          <ac:spMkLst>
+            <pc:docMk/>
+            <pc:sldMk cId="3831927928" sldId="303"/>
+            <ac:spMk id="2" creationId="{39605AF1-623C-4E09-AB5D-8DD0571489F6}"/>
+          </ac:spMkLst>
+        </pc:spChg>
+        <pc:spChg chg="mod">
+          <ac:chgData name="Maxim Oweyssi" userId="98e8c1ed-979f-403f-afaa-f067e209f93f" providerId="ADAL" clId="{14A3743F-7FCC-48D4-BCD4-A8367BC3FFB2}" dt="2024-02-22T07:48:50.018" v="110" actId="20577"/>
+          <ac:spMkLst>
+            <pc:docMk/>
+            <pc:sldMk cId="3831927928" sldId="303"/>
+            <ac:spMk id="5" creationId="{20E75224-81EB-4CDA-BBBE-44B4B2F3C039}"/>
+          </ac:spMkLst>
+        </pc:spChg>
+        <pc:spChg chg="mod">
+          <ac:chgData name="Maxim Oweyssi" userId="98e8c1ed-979f-403f-afaa-f067e209f93f" providerId="ADAL" clId="{14A3743F-7FCC-48D4-BCD4-A8367BC3FFB2}" dt="2024-02-22T07:48:43.043" v="109" actId="20577"/>
+          <ac:spMkLst>
+            <pc:docMk/>
+            <pc:sldMk cId="3831927928" sldId="303"/>
+            <ac:spMk id="19" creationId="{6AF93BD6-1402-38FD-1FA9-806F41388ABB}"/>
+          </ac:spMkLst>
+        </pc:spChg>
+      </pc:sldChg>
+    </pc:docChg>
+  </pc:docChgLst>
+</pc:chgInfo>
+</file>
+
 <file path=ppt/handoutMasters/handoutMaster1.xml><?xml version="1.0" encoding="utf-8"?>
 <p:handoutMaster xmlns:a="http://schemas.openxmlformats.org/drawingml/2006/main" xmlns:r="http://schemas.openxmlformats.org/officeDocument/2006/relationships" xmlns:p="http://schemas.openxmlformats.org/presentationml/2006/main">
   <p:cSld>
@@ -870,7 +1181,7 @@
     </p:spTree>
     <p:extLst>
       <p:ext uri="{BB962C8B-B14F-4D97-AF65-F5344CB8AC3E}">
-        <p14:creationId xmlns:p14="http://schemas.microsoft.com/office/powerpoint/2010/main" val="317459751"/>
+        <p14:creationId xmlns:p14="http://schemas.microsoft.com/office/powerpoint/2010/main" val="2281875323"/>
       </p:ext>
     </p:extLst>
   </p:cSld>
@@ -955,7 +1266,7 @@
     </p:spTree>
     <p:extLst>
       <p:ext uri="{BB962C8B-B14F-4D97-AF65-F5344CB8AC3E}">
-        <p14:creationId xmlns:p14="http://schemas.microsoft.com/office/powerpoint/2010/main" val="968698605"/>
+        <p14:creationId xmlns:p14="http://schemas.microsoft.com/office/powerpoint/2010/main" val="317459751"/>
       </p:ext>
     </p:extLst>
   </p:cSld>
@@ -1040,7 +1351,7 @@
     </p:spTree>
     <p:extLst>
       <p:ext uri="{BB962C8B-B14F-4D97-AF65-F5344CB8AC3E}">
-        <p14:creationId xmlns:p14="http://schemas.microsoft.com/office/powerpoint/2010/main" val="1545415604"/>
+        <p14:creationId xmlns:p14="http://schemas.microsoft.com/office/powerpoint/2010/main" val="968698605"/>
       </p:ext>
     </p:extLst>
   </p:cSld>
@@ -1125,7 +1436,7 @@
     </p:spTree>
     <p:extLst>
       <p:ext uri="{BB962C8B-B14F-4D97-AF65-F5344CB8AC3E}">
-        <p14:creationId xmlns:p14="http://schemas.microsoft.com/office/powerpoint/2010/main" val="3772094516"/>
+        <p14:creationId xmlns:p14="http://schemas.microsoft.com/office/powerpoint/2010/main" val="1545415604"/>
       </p:ext>
     </p:extLst>
   </p:cSld>
@@ -1210,7 +1521,7 @@
     </p:spTree>
     <p:extLst>
       <p:ext uri="{BB962C8B-B14F-4D97-AF65-F5344CB8AC3E}">
-        <p14:creationId xmlns:p14="http://schemas.microsoft.com/office/powerpoint/2010/main" val="42377827"/>
+        <p14:creationId xmlns:p14="http://schemas.microsoft.com/office/powerpoint/2010/main" val="3772094516"/>
       </p:ext>
     </p:extLst>
   </p:cSld>
@@ -1295,7 +1606,7 @@
     </p:spTree>
     <p:extLst>
       <p:ext uri="{BB962C8B-B14F-4D97-AF65-F5344CB8AC3E}">
-        <p14:creationId xmlns:p14="http://schemas.microsoft.com/office/powerpoint/2010/main" val="1578473605"/>
+        <p14:creationId xmlns:p14="http://schemas.microsoft.com/office/powerpoint/2010/main" val="42377827"/>
       </p:ext>
     </p:extLst>
   </p:cSld>
@@ -1380,7 +1691,7 @@
     </p:spTree>
     <p:extLst>
       <p:ext uri="{BB962C8B-B14F-4D97-AF65-F5344CB8AC3E}">
-        <p14:creationId xmlns:p14="http://schemas.microsoft.com/office/powerpoint/2010/main" val="4072143245"/>
+        <p14:creationId xmlns:p14="http://schemas.microsoft.com/office/powerpoint/2010/main" val="1578473605"/>
       </p:ext>
     </p:extLst>
   </p:cSld>
@@ -1465,7 +1776,7 @@
     </p:spTree>
     <p:extLst>
       <p:ext uri="{BB962C8B-B14F-4D97-AF65-F5344CB8AC3E}">
-        <p14:creationId xmlns:p14="http://schemas.microsoft.com/office/powerpoint/2010/main" val="2839078944"/>
+        <p14:creationId xmlns:p14="http://schemas.microsoft.com/office/powerpoint/2010/main" val="4072143245"/>
       </p:ext>
     </p:extLst>
   </p:cSld>
@@ -1542,6 +1853,91 @@
             <a:fld id="{D4B9A9E5-4F7F-4A7D-9DE1-899232329269}" type="slidenum">
               <a:rPr lang="en-GB" smtClean="0"/>
               <a:t>18</a:t>
+            </a:fld>
+            <a:endParaRPr lang="en-GB"/>
+          </a:p>
+        </p:txBody>
+      </p:sp>
+    </p:spTree>
+    <p:extLst>
+      <p:ext uri="{BB962C8B-B14F-4D97-AF65-F5344CB8AC3E}">
+        <p14:creationId xmlns:p14="http://schemas.microsoft.com/office/powerpoint/2010/main" val="2839078944"/>
+      </p:ext>
+    </p:extLst>
+  </p:cSld>
+  <p:clrMapOvr>
+    <a:masterClrMapping/>
+  </p:clrMapOvr>
+</p:notes>
+</file>
+
+<file path=ppt/notesSlides/notesSlide19.xml><?xml version="1.0" encoding="utf-8"?>
+<p:notes xmlns:a="http://schemas.openxmlformats.org/drawingml/2006/main" xmlns:r="http://schemas.openxmlformats.org/officeDocument/2006/relationships" xmlns:p="http://schemas.openxmlformats.org/presentationml/2006/main">
+  <p:cSld>
+    <p:spTree>
+      <p:nvGrpSpPr>
+        <p:cNvPr id="1" name=""/>
+        <p:cNvGrpSpPr/>
+        <p:nvPr/>
+      </p:nvGrpSpPr>
+      <p:grpSpPr>
+        <a:xfrm>
+          <a:off x="0" y="0"/>
+          <a:ext cx="0" cy="0"/>
+          <a:chOff x="0" y="0"/>
+          <a:chExt cx="0" cy="0"/>
+        </a:xfrm>
+      </p:grpSpPr>
+      <p:sp>
+        <p:nvSpPr>
+          <p:cNvPr id="2" name="Slide Image Placeholder 1"/>
+          <p:cNvSpPr>
+            <a:spLocks noGrp="1" noRot="1" noChangeAspect="1"/>
+          </p:cNvSpPr>
+          <p:nvPr>
+            <p:ph type="sldImg"/>
+          </p:nvPr>
+        </p:nvSpPr>
+        <p:spPr/>
+      </p:sp>
+      <p:sp>
+        <p:nvSpPr>
+          <p:cNvPr id="3" name="Notes Placeholder 2"/>
+          <p:cNvSpPr>
+            <a:spLocks noGrp="1"/>
+          </p:cNvSpPr>
+          <p:nvPr>
+            <p:ph type="body" idx="1"/>
+          </p:nvPr>
+        </p:nvSpPr>
+        <p:spPr/>
+        <p:txBody>
+          <a:bodyPr/>
+          <a:lstStyle/>
+          <a:p>
+            <a:endParaRPr lang="en-GB"/>
+          </a:p>
+        </p:txBody>
+      </p:sp>
+      <p:sp>
+        <p:nvSpPr>
+          <p:cNvPr id="4" name="Slide Number Placeholder 3"/>
+          <p:cNvSpPr>
+            <a:spLocks noGrp="1"/>
+          </p:cNvSpPr>
+          <p:nvPr>
+            <p:ph type="sldNum" sz="quarter" idx="5"/>
+          </p:nvPr>
+        </p:nvSpPr>
+        <p:spPr/>
+        <p:txBody>
+          <a:bodyPr/>
+          <a:lstStyle/>
+          <a:p>
+            <a:pPr rtl="0"/>
+            <a:fld id="{D4B9A9E5-4F7F-4A7D-9DE1-899232329269}" type="slidenum">
+              <a:rPr lang="en-GB" smtClean="0"/>
+              <a:t>19</a:t>
             </a:fld>
             <a:endParaRPr lang="en-GB"/>
           </a:p>
@@ -2235,7 +2631,7 @@
     </p:spTree>
     <p:extLst>
       <p:ext uri="{BB962C8B-B14F-4D97-AF65-F5344CB8AC3E}">
-        <p14:creationId xmlns:p14="http://schemas.microsoft.com/office/powerpoint/2010/main" val="2281875323"/>
+        <p14:creationId xmlns:p14="http://schemas.microsoft.com/office/powerpoint/2010/main" val="1777518370"/>
       </p:ext>
     </p:extLst>
   </p:cSld>
@@ -17330,13 +17726,8 @@
             <a:pPr rtl="0"/>
             <a:r>
               <a:rPr lang="en-GB" dirty="0"/>
-              <a:t>1in1000 Technical </a:t>
-            </a:r>
-            <a:r>
-              <a:rPr lang="en-GB" dirty="0" err="1"/>
-              <a:t>Intervew</a:t>
-            </a:r>
-            <a:endParaRPr lang="en-GB" dirty="0"/>
+              <a:t>1in1000 Technical Interview</a:t>
+            </a:r>
           </a:p>
         </p:txBody>
       </p:sp>
@@ -17405,80 +17796,10 @@
           </a:prstGeom>
         </p:spPr>
       </p:pic>
-      <p:pic>
-        <p:nvPicPr>
-          <p:cNvPr id="4" name="Picture 3">
-            <a:extLst>
-              <a:ext uri="{FF2B5EF4-FFF2-40B4-BE49-F238E27FC236}">
-                <a16:creationId xmlns:a16="http://schemas.microsoft.com/office/drawing/2014/main" id="{EBCD060D-DC6E-760E-3E3C-6F37182284BA}"/>
-              </a:ext>
-            </a:extLst>
-          </p:cNvPr>
-          <p:cNvPicPr>
-            <a:picLocks noChangeAspect="1"/>
-          </p:cNvPicPr>
-          <p:nvPr/>
-        </p:nvPicPr>
-        <p:blipFill>
-          <a:blip r:embed="rId4"/>
-          <a:stretch>
-            <a:fillRect/>
-          </a:stretch>
-        </p:blipFill>
-        <p:spPr>
-          <a:xfrm>
-            <a:off x="6870750" y="5458941"/>
-            <a:ext cx="4483050" cy="818713"/>
-          </a:xfrm>
-          <a:prstGeom prst="rect">
-            <a:avLst/>
-          </a:prstGeom>
-          <a:ln>
-            <a:solidFill>
-              <a:schemeClr val="tx1"/>
-            </a:solidFill>
-          </a:ln>
-        </p:spPr>
-      </p:pic>
-      <p:pic>
-        <p:nvPicPr>
-          <p:cNvPr id="6" name="Picture 5">
-            <a:extLst>
-              <a:ext uri="{FF2B5EF4-FFF2-40B4-BE49-F238E27FC236}">
-                <a16:creationId xmlns:a16="http://schemas.microsoft.com/office/drawing/2014/main" id="{62E8618F-FDA8-EF11-0D1D-C76399B46EA8}"/>
-              </a:ext>
-            </a:extLst>
-          </p:cNvPr>
-          <p:cNvPicPr>
-            <a:picLocks noChangeAspect="1"/>
-          </p:cNvPicPr>
-          <p:nvPr/>
-        </p:nvPicPr>
-        <p:blipFill>
-          <a:blip r:embed="rId5"/>
-          <a:stretch>
-            <a:fillRect/>
-          </a:stretch>
-        </p:blipFill>
-        <p:spPr>
-          <a:xfrm>
-            <a:off x="7505975" y="3635429"/>
-            <a:ext cx="3847825" cy="1649068"/>
-          </a:xfrm>
-          <a:prstGeom prst="rect">
-            <a:avLst/>
-          </a:prstGeom>
-          <a:ln w="9525">
-            <a:solidFill>
-              <a:schemeClr val="tx1"/>
-            </a:solidFill>
-          </a:ln>
-        </p:spPr>
-      </p:pic>
     </p:spTree>
     <p:extLst>
       <p:ext uri="{BB962C8B-B14F-4D97-AF65-F5344CB8AC3E}">
-        <p14:creationId xmlns:p14="http://schemas.microsoft.com/office/powerpoint/2010/main" val="2136454211"/>
+        <p14:creationId xmlns:p14="http://schemas.microsoft.com/office/powerpoint/2010/main" val="2121178069"/>
       </p:ext>
     </p:extLst>
   </p:cSld>
@@ -17603,13 +17924,8 @@
             <a:pPr rtl="0"/>
             <a:r>
               <a:rPr lang="en-GB" dirty="0"/>
-              <a:t>1in1000 Technical </a:t>
-            </a:r>
-            <a:r>
-              <a:rPr lang="en-GB" dirty="0" err="1"/>
-              <a:t>Intervew</a:t>
-            </a:r>
-            <a:endParaRPr lang="en-GB" dirty="0"/>
+              <a:t>1in1000 Technical Interview</a:t>
+            </a:r>
           </a:p>
         </p:txBody>
       </p:sp>
@@ -17651,10 +17967,10 @@
       </p:sp>
       <p:pic>
         <p:nvPicPr>
-          <p:cNvPr id="4" name="Picture 3">
-            <a:extLst>
-              <a:ext uri="{FF2B5EF4-FFF2-40B4-BE49-F238E27FC236}">
-                <a16:creationId xmlns:a16="http://schemas.microsoft.com/office/drawing/2014/main" id="{6F92AE8A-B0D4-BC33-C214-886275F979F2}"/>
+          <p:cNvPr id="25" name="Picture 24">
+            <a:extLst>
+              <a:ext uri="{FF2B5EF4-FFF2-40B4-BE49-F238E27FC236}">
+                <a16:creationId xmlns:a16="http://schemas.microsoft.com/office/drawing/2014/main" id="{1338DFF5-DB36-A9B6-AEFE-D6B7A2BF68E0}"/>
               </a:ext>
             </a:extLst>
           </p:cNvPr>
@@ -17665,23 +17981,93 @@
         </p:nvPicPr>
         <p:blipFill rotWithShape="1">
           <a:blip r:embed="rId3"/>
-          <a:srcRect t="2037" b="-2037"/>
+          <a:srcRect l="437" r="-437"/>
           <a:stretch/>
         </p:blipFill>
         <p:spPr>
           <a:xfrm>
-            <a:off x="609046" y="2845836"/>
-            <a:ext cx="10973908" cy="2298753"/>
+            <a:off x="1728000" y="1788593"/>
+            <a:ext cx="8951348" cy="4489061"/>
           </a:xfrm>
           <a:prstGeom prst="rect">
             <a:avLst/>
           </a:prstGeom>
+        </p:spPr>
+      </p:pic>
+      <p:pic>
+        <p:nvPicPr>
+          <p:cNvPr id="4" name="Picture 3">
+            <a:extLst>
+              <a:ext uri="{FF2B5EF4-FFF2-40B4-BE49-F238E27FC236}">
+                <a16:creationId xmlns:a16="http://schemas.microsoft.com/office/drawing/2014/main" id="{EBCD060D-DC6E-760E-3E3C-6F37182284BA}"/>
+              </a:ext>
+            </a:extLst>
+          </p:cNvPr>
+          <p:cNvPicPr>
+            <a:picLocks noChangeAspect="1"/>
+          </p:cNvPicPr>
+          <p:nvPr/>
+        </p:nvPicPr>
+        <p:blipFill>
+          <a:blip r:embed="rId4"/>
+          <a:stretch>
+            <a:fillRect/>
+          </a:stretch>
+        </p:blipFill>
+        <p:spPr>
+          <a:xfrm>
+            <a:off x="6870750" y="5458941"/>
+            <a:ext cx="4483050" cy="818713"/>
+          </a:xfrm>
+          <a:prstGeom prst="rect">
+            <a:avLst/>
+          </a:prstGeom>
+          <a:ln>
+            <a:solidFill>
+              <a:schemeClr val="tx1"/>
+            </a:solidFill>
+          </a:ln>
+        </p:spPr>
+      </p:pic>
+      <p:pic>
+        <p:nvPicPr>
+          <p:cNvPr id="6" name="Picture 5">
+            <a:extLst>
+              <a:ext uri="{FF2B5EF4-FFF2-40B4-BE49-F238E27FC236}">
+                <a16:creationId xmlns:a16="http://schemas.microsoft.com/office/drawing/2014/main" id="{62E8618F-FDA8-EF11-0D1D-C76399B46EA8}"/>
+              </a:ext>
+            </a:extLst>
+          </p:cNvPr>
+          <p:cNvPicPr>
+            <a:picLocks noChangeAspect="1"/>
+          </p:cNvPicPr>
+          <p:nvPr/>
+        </p:nvPicPr>
+        <p:blipFill>
+          <a:blip r:embed="rId5"/>
+          <a:stretch>
+            <a:fillRect/>
+          </a:stretch>
+        </p:blipFill>
+        <p:spPr>
+          <a:xfrm>
+            <a:off x="7505975" y="3635429"/>
+            <a:ext cx="3847825" cy="1649068"/>
+          </a:xfrm>
+          <a:prstGeom prst="rect">
+            <a:avLst/>
+          </a:prstGeom>
+          <a:ln w="9525">
+            <a:solidFill>
+              <a:schemeClr val="tx1"/>
+            </a:solidFill>
+          </a:ln>
         </p:spPr>
       </p:pic>
     </p:spTree>
     <p:extLst>
       <p:ext uri="{BB962C8B-B14F-4D97-AF65-F5344CB8AC3E}">
-        <p14:creationId xmlns:p14="http://schemas.microsoft.com/office/powerpoint/2010/main" val="2634603114"/>
+        <p14:creationId xmlns:p14="http://schemas.microsoft.com/office/powerpoint/2010/main" val="2136454211"/>
       </p:ext>
     </p:extLst>
   </p:cSld>
@@ -17713,7 +18099,7 @@
           <p:cNvPr id="2" name="Title 1">
             <a:extLst>
               <a:ext uri="{FF2B5EF4-FFF2-40B4-BE49-F238E27FC236}">
-                <a16:creationId xmlns:a16="http://schemas.microsoft.com/office/drawing/2014/main" id="{39605AF1-623C-4E09-AB5D-8DD0571489F6}"/>
+                <a16:creationId xmlns:a16="http://schemas.microsoft.com/office/drawing/2014/main" id="{5CE54ABB-4929-4810-950B-2DAEA0A5BAB4}"/>
               </a:ext>
             </a:extLst>
           </p:cNvPr>
@@ -17726,8 +18112,8 @@
         </p:nvSpPr>
         <p:spPr>
           <a:xfrm>
-            <a:off x="5923486" y="2882847"/>
-            <a:ext cx="5431971" cy="846301"/>
+            <a:off x="1885156" y="892177"/>
+            <a:ext cx="8421688" cy="1325563"/>
           </a:xfrm>
         </p:spPr>
         <p:txBody>
@@ -17737,17 +18123,17 @@
             <a:pPr rtl="0"/>
             <a:r>
               <a:rPr lang="en-GB" dirty="0"/>
-              <a:t>Task 3</a:t>
-            </a:r>
-          </a:p>
-        </p:txBody>
-      </p:sp>
-      <p:sp>
-        <p:nvSpPr>
-          <p:cNvPr id="4" name="Date Placeholder 3">
-            <a:extLst>
-              <a:ext uri="{FF2B5EF4-FFF2-40B4-BE49-F238E27FC236}">
-                <a16:creationId xmlns:a16="http://schemas.microsoft.com/office/drawing/2014/main" id="{7FDC0E0A-2715-4BF9-8659-0ED8629BA242}"/>
+              <a:t>Task 2</a:t>
+            </a:r>
+          </a:p>
+        </p:txBody>
+      </p:sp>
+      <p:sp>
+        <p:nvSpPr>
+          <p:cNvPr id="9" name="Date Placeholder 8">
+            <a:extLst>
+              <a:ext uri="{FF2B5EF4-FFF2-40B4-BE49-F238E27FC236}">
+                <a16:creationId xmlns:a16="http://schemas.microsoft.com/office/drawing/2014/main" id="{7B78F7A0-88C5-4940-B21C-099F472F39F9}"/>
               </a:ext>
             </a:extLst>
           </p:cNvPr>
@@ -17773,15 +18159,16 @@
               <a:rPr lang="en-GB"/>
               <a:t>20XX</a:t>
             </a:r>
-          </a:p>
-        </p:txBody>
-      </p:sp>
-      <p:sp>
-        <p:nvSpPr>
-          <p:cNvPr id="5" name="Footer Placeholder 4">
-            <a:extLst>
-              <a:ext uri="{FF2B5EF4-FFF2-40B4-BE49-F238E27FC236}">
-                <a16:creationId xmlns:a16="http://schemas.microsoft.com/office/drawing/2014/main" id="{20E75224-81EB-4CDA-BBBE-44B4B2F3C039}"/>
+            <a:endParaRPr lang="en-GB" dirty="0"/>
+          </a:p>
+        </p:txBody>
+      </p:sp>
+      <p:sp>
+        <p:nvSpPr>
+          <p:cNvPr id="10" name="Footer Placeholder 9">
+            <a:extLst>
+              <a:ext uri="{FF2B5EF4-FFF2-40B4-BE49-F238E27FC236}">
+                <a16:creationId xmlns:a16="http://schemas.microsoft.com/office/drawing/2014/main" id="{D2186069-FC8E-433D-9BB4-942220CE8CFB}"/>
               </a:ext>
             </a:extLst>
           </p:cNvPr>
@@ -17805,22 +18192,17 @@
             <a:pPr rtl="0"/>
             <a:r>
               <a:rPr lang="en-GB" dirty="0"/>
-              <a:t>1in1000 Technical </a:t>
-            </a:r>
-            <a:r>
-              <a:rPr lang="en-GB" dirty="0" err="1"/>
-              <a:t>Intervew</a:t>
-            </a:r>
-            <a:endParaRPr lang="en-GB" dirty="0"/>
-          </a:p>
-        </p:txBody>
-      </p:sp>
-      <p:sp>
-        <p:nvSpPr>
-          <p:cNvPr id="6" name="Slide Number Placeholder 5">
-            <a:extLst>
-              <a:ext uri="{FF2B5EF4-FFF2-40B4-BE49-F238E27FC236}">
-                <a16:creationId xmlns:a16="http://schemas.microsoft.com/office/drawing/2014/main" id="{BA32F697-D1D4-4B0A-B960-D1869BF8607A}"/>
+              <a:t>1in1000 Technical Interview</a:t>
+            </a:r>
+          </a:p>
+        </p:txBody>
+      </p:sp>
+      <p:sp>
+        <p:nvSpPr>
+          <p:cNvPr id="11" name="Slide Number Placeholder 10">
+            <a:extLst>
+              <a:ext uri="{FF2B5EF4-FFF2-40B4-BE49-F238E27FC236}">
+                <a16:creationId xmlns:a16="http://schemas.microsoft.com/office/drawing/2014/main" id="{BAD5B6F4-0A90-447A-A1AE-D75C934B6B29}"/>
               </a:ext>
             </a:extLst>
           </p:cNvPr>
@@ -17847,49 +18229,43 @@
               <a:pPr rtl="0"/>
               <a:t>12</a:t>
             </a:fld>
-            <a:endParaRPr lang="en-GB"/>
-          </a:p>
-        </p:txBody>
-      </p:sp>
-      <p:sp>
-        <p:nvSpPr>
-          <p:cNvPr id="19" name="Text Placeholder 18">
-            <a:extLst>
-              <a:ext uri="{FF2B5EF4-FFF2-40B4-BE49-F238E27FC236}">
-                <a16:creationId xmlns:a16="http://schemas.microsoft.com/office/drawing/2014/main" id="{6AF93BD6-1402-38FD-1FA9-806F41388ABB}"/>
-              </a:ext>
-            </a:extLst>
-          </p:cNvPr>
-          <p:cNvSpPr>
-            <a:spLocks noGrp="1"/>
-          </p:cNvSpPr>
-          <p:nvPr>
-            <p:ph type="body" sz="quarter" idx="13"/>
-          </p:nvPr>
-        </p:nvSpPr>
-        <p:spPr>
-          <a:xfrm>
-            <a:off x="5922869" y="3546585"/>
-            <a:ext cx="5433204" cy="365125"/>
-          </a:xfrm>
-        </p:spPr>
-        <p:txBody>
-          <a:bodyPr>
-            <a:normAutofit lnSpcReduction="10000"/>
-          </a:bodyPr>
-          <a:lstStyle/>
-          <a:p>
-            <a:r>
-              <a:rPr lang="en-GB" dirty="0"/>
-              <a:t>The shiny app</a:t>
-            </a:r>
-          </a:p>
-        </p:txBody>
-      </p:sp>
+            <a:endParaRPr lang="en-GB" dirty="0"/>
+          </a:p>
+        </p:txBody>
+      </p:sp>
+      <p:pic>
+        <p:nvPicPr>
+          <p:cNvPr id="4" name="Picture 3">
+            <a:extLst>
+              <a:ext uri="{FF2B5EF4-FFF2-40B4-BE49-F238E27FC236}">
+                <a16:creationId xmlns:a16="http://schemas.microsoft.com/office/drawing/2014/main" id="{6F92AE8A-B0D4-BC33-C214-886275F979F2}"/>
+              </a:ext>
+            </a:extLst>
+          </p:cNvPr>
+          <p:cNvPicPr>
+            <a:picLocks noChangeAspect="1"/>
+          </p:cNvPicPr>
+          <p:nvPr/>
+        </p:nvPicPr>
+        <p:blipFill rotWithShape="1">
+          <a:blip r:embed="rId3"/>
+          <a:srcRect t="2037" b="-2037"/>
+          <a:stretch/>
+        </p:blipFill>
+        <p:spPr>
+          <a:xfrm>
+            <a:off x="609046" y="2845836"/>
+            <a:ext cx="10973908" cy="2298753"/>
+          </a:xfrm>
+          <a:prstGeom prst="rect">
+            <a:avLst/>
+          </a:prstGeom>
+        </p:spPr>
+      </p:pic>
     </p:spTree>
     <p:extLst>
       <p:ext uri="{BB962C8B-B14F-4D97-AF65-F5344CB8AC3E}">
-        <p14:creationId xmlns:p14="http://schemas.microsoft.com/office/powerpoint/2010/main" val="1472106130"/>
+        <p14:creationId xmlns:p14="http://schemas.microsoft.com/office/powerpoint/2010/main" val="2634603114"/>
       </p:ext>
     </p:extLst>
   </p:cSld>
@@ -17918,10 +18294,44 @@
       </p:grpSpPr>
       <p:sp>
         <p:nvSpPr>
+          <p:cNvPr id="2" name="Title 1">
+            <a:extLst>
+              <a:ext uri="{FF2B5EF4-FFF2-40B4-BE49-F238E27FC236}">
+                <a16:creationId xmlns:a16="http://schemas.microsoft.com/office/drawing/2014/main" id="{39605AF1-623C-4E09-AB5D-8DD0571489F6}"/>
+              </a:ext>
+            </a:extLst>
+          </p:cNvPr>
+          <p:cNvSpPr>
+            <a:spLocks noGrp="1"/>
+          </p:cNvSpPr>
+          <p:nvPr>
+            <p:ph type="title"/>
+          </p:nvPr>
+        </p:nvSpPr>
+        <p:spPr>
+          <a:xfrm>
+            <a:off x="5923486" y="2882847"/>
+            <a:ext cx="5431971" cy="846301"/>
+          </a:xfrm>
+        </p:spPr>
+        <p:txBody>
+          <a:bodyPr rtlCol="0"/>
+          <a:lstStyle/>
+          <a:p>
+            <a:pPr rtl="0"/>
+            <a:r>
+              <a:rPr lang="en-GB" dirty="0"/>
+              <a:t>Task 3</a:t>
+            </a:r>
+          </a:p>
+        </p:txBody>
+      </p:sp>
+      <p:sp>
+        <p:nvSpPr>
           <p:cNvPr id="4" name="Date Placeholder 3">
             <a:extLst>
               <a:ext uri="{FF2B5EF4-FFF2-40B4-BE49-F238E27FC236}">
-                <a16:creationId xmlns:a16="http://schemas.microsoft.com/office/drawing/2014/main" id="{13F8C8B5-F6EC-489B-BD0F-CD89A73CAB3A}"/>
+                <a16:creationId xmlns:a16="http://schemas.microsoft.com/office/drawing/2014/main" id="{7FDC0E0A-2715-4BF9-8659-0ED8629BA242}"/>
               </a:ext>
             </a:extLst>
           </p:cNvPr>
@@ -17955,7 +18365,7 @@
           <p:cNvPr id="5" name="Footer Placeholder 4">
             <a:extLst>
               <a:ext uri="{FF2B5EF4-FFF2-40B4-BE49-F238E27FC236}">
-                <a16:creationId xmlns:a16="http://schemas.microsoft.com/office/drawing/2014/main" id="{11AEA823-8519-4F9D-81FA-3673131076FC}"/>
+                <a16:creationId xmlns:a16="http://schemas.microsoft.com/office/drawing/2014/main" id="{20E75224-81EB-4CDA-BBBE-44B4B2F3C039}"/>
               </a:ext>
             </a:extLst>
           </p:cNvPr>
@@ -17978,8 +18388,8 @@
           <a:p>
             <a:pPr rtl="0"/>
             <a:r>
-              <a:rPr lang="en-GB"/>
-              <a:t>Pitch Deck</a:t>
+              <a:rPr lang="en-GB" dirty="0"/>
+              <a:t>1in1000 Technical Interview</a:t>
             </a:r>
           </a:p>
         </p:txBody>
@@ -17989,7 +18399,7 @@
           <p:cNvPr id="6" name="Slide Number Placeholder 5">
             <a:extLst>
               <a:ext uri="{FF2B5EF4-FFF2-40B4-BE49-F238E27FC236}">
-                <a16:creationId xmlns:a16="http://schemas.microsoft.com/office/drawing/2014/main" id="{BAEFF51B-0E28-4171-AE7C-A31AAB42BC73}"/>
+                <a16:creationId xmlns:a16="http://schemas.microsoft.com/office/drawing/2014/main" id="{BA32F697-D1D4-4B0A-B960-D1869BF8607A}"/>
               </a:ext>
             </a:extLst>
           </p:cNvPr>
@@ -18015,6 +18425,175 @@
               <a:rPr lang="en-GB" smtClean="0"/>
               <a:pPr rtl="0"/>
               <a:t>13</a:t>
+            </a:fld>
+            <a:endParaRPr lang="en-GB"/>
+          </a:p>
+        </p:txBody>
+      </p:sp>
+      <p:sp>
+        <p:nvSpPr>
+          <p:cNvPr id="19" name="Text Placeholder 18">
+            <a:extLst>
+              <a:ext uri="{FF2B5EF4-FFF2-40B4-BE49-F238E27FC236}">
+                <a16:creationId xmlns:a16="http://schemas.microsoft.com/office/drawing/2014/main" id="{6AF93BD6-1402-38FD-1FA9-806F41388ABB}"/>
+              </a:ext>
+            </a:extLst>
+          </p:cNvPr>
+          <p:cNvSpPr>
+            <a:spLocks noGrp="1"/>
+          </p:cNvSpPr>
+          <p:nvPr>
+            <p:ph type="body" sz="quarter" idx="13"/>
+          </p:nvPr>
+        </p:nvSpPr>
+        <p:spPr>
+          <a:xfrm>
+            <a:off x="5922869" y="3546585"/>
+            <a:ext cx="5433204" cy="365125"/>
+          </a:xfrm>
+        </p:spPr>
+        <p:txBody>
+          <a:bodyPr>
+            <a:normAutofit lnSpcReduction="10000"/>
+          </a:bodyPr>
+          <a:lstStyle/>
+          <a:p>
+            <a:r>
+              <a:rPr lang="en-GB" dirty="0"/>
+              <a:t>The shiny app</a:t>
+            </a:r>
+          </a:p>
+        </p:txBody>
+      </p:sp>
+    </p:spTree>
+    <p:extLst>
+      <p:ext uri="{BB962C8B-B14F-4D97-AF65-F5344CB8AC3E}">
+        <p14:creationId xmlns:p14="http://schemas.microsoft.com/office/powerpoint/2010/main" val="1472106130"/>
+      </p:ext>
+    </p:extLst>
+  </p:cSld>
+  <p:clrMapOvr>
+    <a:masterClrMapping/>
+  </p:clrMapOvr>
+</p:sld>
+</file>
+
+<file path=ppt/slides/slide14.xml><?xml version="1.0" encoding="utf-8"?>
+<p:sld xmlns:a="http://schemas.openxmlformats.org/drawingml/2006/main" xmlns:r="http://schemas.openxmlformats.org/officeDocument/2006/relationships" xmlns:p="http://schemas.openxmlformats.org/presentationml/2006/main">
+  <p:cSld>
+    <p:spTree>
+      <p:nvGrpSpPr>
+        <p:cNvPr id="1" name=""/>
+        <p:cNvGrpSpPr/>
+        <p:nvPr/>
+      </p:nvGrpSpPr>
+      <p:grpSpPr>
+        <a:xfrm>
+          <a:off x="0" y="0"/>
+          <a:ext cx="0" cy="0"/>
+          <a:chOff x="0" y="0"/>
+          <a:chExt cx="0" cy="0"/>
+        </a:xfrm>
+      </p:grpSpPr>
+      <p:sp>
+        <p:nvSpPr>
+          <p:cNvPr id="4" name="Date Placeholder 3">
+            <a:extLst>
+              <a:ext uri="{FF2B5EF4-FFF2-40B4-BE49-F238E27FC236}">
+                <a16:creationId xmlns:a16="http://schemas.microsoft.com/office/drawing/2014/main" id="{13F8C8B5-F6EC-489B-BD0F-CD89A73CAB3A}"/>
+              </a:ext>
+            </a:extLst>
+          </p:cNvPr>
+          <p:cNvSpPr>
+            <a:spLocks noGrp="1"/>
+          </p:cNvSpPr>
+          <p:nvPr>
+            <p:ph type="dt" sz="half" idx="10"/>
+          </p:nvPr>
+        </p:nvSpPr>
+        <p:spPr>
+          <a:xfrm>
+            <a:off x="838200" y="6356350"/>
+            <a:ext cx="2743200" cy="365125"/>
+          </a:xfrm>
+        </p:spPr>
+        <p:txBody>
+          <a:bodyPr rtlCol="0"/>
+          <a:lstStyle/>
+          <a:p>
+            <a:pPr rtl="0"/>
+            <a:r>
+              <a:rPr lang="en-GB"/>
+              <a:t>20XX</a:t>
+            </a:r>
+          </a:p>
+        </p:txBody>
+      </p:sp>
+      <p:sp>
+        <p:nvSpPr>
+          <p:cNvPr id="5" name="Footer Placeholder 4">
+            <a:extLst>
+              <a:ext uri="{FF2B5EF4-FFF2-40B4-BE49-F238E27FC236}">
+                <a16:creationId xmlns:a16="http://schemas.microsoft.com/office/drawing/2014/main" id="{11AEA823-8519-4F9D-81FA-3673131076FC}"/>
+              </a:ext>
+            </a:extLst>
+          </p:cNvPr>
+          <p:cNvSpPr>
+            <a:spLocks noGrp="1"/>
+          </p:cNvSpPr>
+          <p:nvPr>
+            <p:ph type="ftr" sz="quarter" idx="11"/>
+          </p:nvPr>
+        </p:nvSpPr>
+        <p:spPr>
+          <a:xfrm>
+            <a:off x="4038600" y="6356350"/>
+            <a:ext cx="4114800" cy="365125"/>
+          </a:xfrm>
+        </p:spPr>
+        <p:txBody>
+          <a:bodyPr rtlCol="0"/>
+          <a:lstStyle/>
+          <a:p>
+            <a:pPr rtl="0"/>
+            <a:r>
+              <a:rPr lang="en-GB"/>
+              <a:t>Pitch Deck</a:t>
+            </a:r>
+          </a:p>
+        </p:txBody>
+      </p:sp>
+      <p:sp>
+        <p:nvSpPr>
+          <p:cNvPr id="6" name="Slide Number Placeholder 5">
+            <a:extLst>
+              <a:ext uri="{FF2B5EF4-FFF2-40B4-BE49-F238E27FC236}">
+                <a16:creationId xmlns:a16="http://schemas.microsoft.com/office/drawing/2014/main" id="{BAEFF51B-0E28-4171-AE7C-A31AAB42BC73}"/>
+              </a:ext>
+            </a:extLst>
+          </p:cNvPr>
+          <p:cNvSpPr>
+            <a:spLocks noGrp="1"/>
+          </p:cNvSpPr>
+          <p:nvPr>
+            <p:ph type="sldNum" sz="quarter" idx="12"/>
+          </p:nvPr>
+        </p:nvSpPr>
+        <p:spPr>
+          <a:xfrm>
+            <a:off x="8610600" y="6356350"/>
+            <a:ext cx="2743200" cy="365125"/>
+          </a:xfrm>
+        </p:spPr>
+        <p:txBody>
+          <a:bodyPr rtlCol="0"/>
+          <a:lstStyle/>
+          <a:p>
+            <a:pPr rtl="0"/>
+            <a:fld id="{B5CEABB6-07DC-46E8-9B57-56EC44A396E5}" type="slidenum">
+              <a:rPr lang="en-GB" smtClean="0"/>
+              <a:pPr rtl="0"/>
+              <a:t>14</a:t>
             </a:fld>
             <a:endParaRPr lang="en-GB"/>
           </a:p>
@@ -18099,217 +18678,6 @@
 </p:sld>
 </file>
 
-<file path=ppt/slides/slide14.xml><?xml version="1.0" encoding="utf-8"?>
-<p:sld xmlns:a="http://schemas.openxmlformats.org/drawingml/2006/main" xmlns:r="http://schemas.openxmlformats.org/officeDocument/2006/relationships" xmlns:p="http://schemas.openxmlformats.org/presentationml/2006/main">
-  <p:cSld>
-    <p:spTree>
-      <p:nvGrpSpPr>
-        <p:cNvPr id="1" name=""/>
-        <p:cNvGrpSpPr/>
-        <p:nvPr/>
-      </p:nvGrpSpPr>
-      <p:grpSpPr>
-        <a:xfrm>
-          <a:off x="0" y="0"/>
-          <a:ext cx="0" cy="0"/>
-          <a:chOff x="0" y="0"/>
-          <a:chExt cx="0" cy="0"/>
-        </a:xfrm>
-      </p:grpSpPr>
-      <p:sp>
-        <p:nvSpPr>
-          <p:cNvPr id="2" name="Title 1">
-            <a:extLst>
-              <a:ext uri="{FF2B5EF4-FFF2-40B4-BE49-F238E27FC236}">
-                <a16:creationId xmlns:a16="http://schemas.microsoft.com/office/drawing/2014/main" id="{39605AF1-623C-4E09-AB5D-8DD0571489F6}"/>
-              </a:ext>
-            </a:extLst>
-          </p:cNvPr>
-          <p:cNvSpPr>
-            <a:spLocks noGrp="1"/>
-          </p:cNvSpPr>
-          <p:nvPr>
-            <p:ph type="title"/>
-          </p:nvPr>
-        </p:nvSpPr>
-        <p:spPr>
-          <a:xfrm>
-            <a:off x="5923486" y="2882847"/>
-            <a:ext cx="5431971" cy="846301"/>
-          </a:xfrm>
-        </p:spPr>
-        <p:txBody>
-          <a:bodyPr rtlCol="0"/>
-          <a:lstStyle/>
-          <a:p>
-            <a:pPr rtl="0"/>
-            <a:r>
-              <a:rPr lang="en-GB" dirty="0"/>
-              <a:t>Task 3.5</a:t>
-            </a:r>
-          </a:p>
-        </p:txBody>
-      </p:sp>
-      <p:sp>
-        <p:nvSpPr>
-          <p:cNvPr id="4" name="Date Placeholder 3">
-            <a:extLst>
-              <a:ext uri="{FF2B5EF4-FFF2-40B4-BE49-F238E27FC236}">
-                <a16:creationId xmlns:a16="http://schemas.microsoft.com/office/drawing/2014/main" id="{7FDC0E0A-2715-4BF9-8659-0ED8629BA242}"/>
-              </a:ext>
-            </a:extLst>
-          </p:cNvPr>
-          <p:cNvSpPr>
-            <a:spLocks noGrp="1"/>
-          </p:cNvSpPr>
-          <p:nvPr>
-            <p:ph type="dt" sz="half" idx="10"/>
-          </p:nvPr>
-        </p:nvSpPr>
-        <p:spPr>
-          <a:xfrm>
-            <a:off x="838200" y="6356350"/>
-            <a:ext cx="2743200" cy="365125"/>
-          </a:xfrm>
-        </p:spPr>
-        <p:txBody>
-          <a:bodyPr rtlCol="0"/>
-          <a:lstStyle/>
-          <a:p>
-            <a:pPr rtl="0"/>
-            <a:r>
-              <a:rPr lang="en-GB"/>
-              <a:t>20XX</a:t>
-            </a:r>
-          </a:p>
-        </p:txBody>
-      </p:sp>
-      <p:sp>
-        <p:nvSpPr>
-          <p:cNvPr id="5" name="Footer Placeholder 4">
-            <a:extLst>
-              <a:ext uri="{FF2B5EF4-FFF2-40B4-BE49-F238E27FC236}">
-                <a16:creationId xmlns:a16="http://schemas.microsoft.com/office/drawing/2014/main" id="{20E75224-81EB-4CDA-BBBE-44B4B2F3C039}"/>
-              </a:ext>
-            </a:extLst>
-          </p:cNvPr>
-          <p:cNvSpPr>
-            <a:spLocks noGrp="1"/>
-          </p:cNvSpPr>
-          <p:nvPr>
-            <p:ph type="ftr" sz="quarter" idx="11"/>
-          </p:nvPr>
-        </p:nvSpPr>
-        <p:spPr>
-          <a:xfrm>
-            <a:off x="4038600" y="6356350"/>
-            <a:ext cx="4114800" cy="365125"/>
-          </a:xfrm>
-        </p:spPr>
-        <p:txBody>
-          <a:bodyPr rtlCol="0"/>
-          <a:lstStyle/>
-          <a:p>
-            <a:pPr rtl="0"/>
-            <a:r>
-              <a:rPr lang="en-GB"/>
-              <a:t>Pitch Deck</a:t>
-            </a:r>
-          </a:p>
-        </p:txBody>
-      </p:sp>
-      <p:sp>
-        <p:nvSpPr>
-          <p:cNvPr id="6" name="Slide Number Placeholder 5">
-            <a:extLst>
-              <a:ext uri="{FF2B5EF4-FFF2-40B4-BE49-F238E27FC236}">
-                <a16:creationId xmlns:a16="http://schemas.microsoft.com/office/drawing/2014/main" id="{BA32F697-D1D4-4B0A-B960-D1869BF8607A}"/>
-              </a:ext>
-            </a:extLst>
-          </p:cNvPr>
-          <p:cNvSpPr>
-            <a:spLocks noGrp="1"/>
-          </p:cNvSpPr>
-          <p:nvPr>
-            <p:ph type="sldNum" sz="quarter" idx="12"/>
-          </p:nvPr>
-        </p:nvSpPr>
-        <p:spPr>
-          <a:xfrm>
-            <a:off x="8610600" y="6356350"/>
-            <a:ext cx="2743200" cy="365125"/>
-          </a:xfrm>
-        </p:spPr>
-        <p:txBody>
-          <a:bodyPr rtlCol="0"/>
-          <a:lstStyle/>
-          <a:p>
-            <a:pPr rtl="0"/>
-            <a:fld id="{B5CEABB6-07DC-46E8-9B57-56EC44A396E5}" type="slidenum">
-              <a:rPr lang="en-GB" smtClean="0"/>
-              <a:pPr rtl="0"/>
-              <a:t>14</a:t>
-            </a:fld>
-            <a:endParaRPr lang="en-GB"/>
-          </a:p>
-        </p:txBody>
-      </p:sp>
-      <p:sp>
-        <p:nvSpPr>
-          <p:cNvPr id="19" name="Text Placeholder 18">
-            <a:extLst>
-              <a:ext uri="{FF2B5EF4-FFF2-40B4-BE49-F238E27FC236}">
-                <a16:creationId xmlns:a16="http://schemas.microsoft.com/office/drawing/2014/main" id="{6AF93BD6-1402-38FD-1FA9-806F41388ABB}"/>
-              </a:ext>
-            </a:extLst>
-          </p:cNvPr>
-          <p:cNvSpPr>
-            <a:spLocks noGrp="1"/>
-          </p:cNvSpPr>
-          <p:nvPr>
-            <p:ph type="body" sz="quarter" idx="13"/>
-          </p:nvPr>
-        </p:nvSpPr>
-        <p:spPr>
-          <a:xfrm>
-            <a:off x="5922869" y="3546585"/>
-            <a:ext cx="5433204" cy="365125"/>
-          </a:xfrm>
-        </p:spPr>
-        <p:txBody>
-          <a:bodyPr>
-            <a:normAutofit lnSpcReduction="10000"/>
-          </a:bodyPr>
-          <a:lstStyle/>
-          <a:p>
-            <a:r>
-              <a:rPr lang="en-GB" dirty="0"/>
-              <a:t>The </a:t>
-            </a:r>
-            <a:r>
-              <a:rPr lang="en-GB" dirty="0" err="1"/>
-              <a:t>plotly</a:t>
-            </a:r>
-            <a:r>
-              <a:rPr lang="en-GB" dirty="0"/>
-              <a:t> upgrade</a:t>
-            </a:r>
-          </a:p>
-        </p:txBody>
-      </p:sp>
-    </p:spTree>
-    <p:extLst>
-      <p:ext uri="{BB962C8B-B14F-4D97-AF65-F5344CB8AC3E}">
-        <p14:creationId xmlns:p14="http://schemas.microsoft.com/office/powerpoint/2010/main" val="1513661061"/>
-      </p:ext>
-    </p:extLst>
-  </p:cSld>
-  <p:clrMapOvr>
-    <a:masterClrMapping/>
-  </p:clrMapOvr>
-</p:sld>
-</file>
-
 <file path=ppt/slides/slide15.xml><?xml version="1.0" encoding="utf-8"?>
 <p:sld xmlns:a="http://schemas.openxmlformats.org/drawingml/2006/main" xmlns:r="http://schemas.openxmlformats.org/officeDocument/2006/relationships" xmlns:p="http://schemas.openxmlformats.org/presentationml/2006/main">
   <p:cSld>
@@ -18329,10 +18697,44 @@
       </p:grpSpPr>
       <p:sp>
         <p:nvSpPr>
+          <p:cNvPr id="2" name="Title 1">
+            <a:extLst>
+              <a:ext uri="{FF2B5EF4-FFF2-40B4-BE49-F238E27FC236}">
+                <a16:creationId xmlns:a16="http://schemas.microsoft.com/office/drawing/2014/main" id="{39605AF1-623C-4E09-AB5D-8DD0571489F6}"/>
+              </a:ext>
+            </a:extLst>
+          </p:cNvPr>
+          <p:cNvSpPr>
+            <a:spLocks noGrp="1"/>
+          </p:cNvSpPr>
+          <p:nvPr>
+            <p:ph type="title"/>
+          </p:nvPr>
+        </p:nvSpPr>
+        <p:spPr>
+          <a:xfrm>
+            <a:off x="5923486" y="2882847"/>
+            <a:ext cx="5431971" cy="846301"/>
+          </a:xfrm>
+        </p:spPr>
+        <p:txBody>
+          <a:bodyPr rtlCol="0"/>
+          <a:lstStyle/>
+          <a:p>
+            <a:pPr rtl="0"/>
+            <a:r>
+              <a:rPr lang="en-GB" dirty="0"/>
+              <a:t>Task 3.5</a:t>
+            </a:r>
+          </a:p>
+        </p:txBody>
+      </p:sp>
+      <p:sp>
+        <p:nvSpPr>
           <p:cNvPr id="4" name="Date Placeholder 3">
             <a:extLst>
               <a:ext uri="{FF2B5EF4-FFF2-40B4-BE49-F238E27FC236}">
-                <a16:creationId xmlns:a16="http://schemas.microsoft.com/office/drawing/2014/main" id="{13F8C8B5-F6EC-489B-BD0F-CD89A73CAB3A}"/>
+                <a16:creationId xmlns:a16="http://schemas.microsoft.com/office/drawing/2014/main" id="{7FDC0E0A-2715-4BF9-8659-0ED8629BA242}"/>
               </a:ext>
             </a:extLst>
           </p:cNvPr>
@@ -18355,8 +18757,8 @@
           <a:p>
             <a:pPr rtl="0"/>
             <a:r>
-              <a:rPr lang="en-GB"/>
-              <a:t>20XX</a:t>
+              <a:rPr lang="en-GB" dirty="0"/>
+              <a:t>2024</a:t>
             </a:r>
           </a:p>
         </p:txBody>
@@ -18366,7 +18768,7 @@
           <p:cNvPr id="5" name="Footer Placeholder 4">
             <a:extLst>
               <a:ext uri="{FF2B5EF4-FFF2-40B4-BE49-F238E27FC236}">
-                <a16:creationId xmlns:a16="http://schemas.microsoft.com/office/drawing/2014/main" id="{11AEA823-8519-4F9D-81FA-3673131076FC}"/>
+                <a16:creationId xmlns:a16="http://schemas.microsoft.com/office/drawing/2014/main" id="{20E75224-81EB-4CDA-BBBE-44B4B2F3C039}"/>
               </a:ext>
             </a:extLst>
           </p:cNvPr>
@@ -18389,8 +18791,8 @@
           <a:p>
             <a:pPr rtl="0"/>
             <a:r>
-              <a:rPr lang="en-GB"/>
-              <a:t>Pitch Deck</a:t>
+              <a:rPr lang="en-GB" dirty="0"/>
+              <a:t>1in1000 Technical Interview</a:t>
             </a:r>
           </a:p>
         </p:txBody>
@@ -18400,7 +18802,7 @@
           <p:cNvPr id="6" name="Slide Number Placeholder 5">
             <a:extLst>
               <a:ext uri="{FF2B5EF4-FFF2-40B4-BE49-F238E27FC236}">
-                <a16:creationId xmlns:a16="http://schemas.microsoft.com/office/drawing/2014/main" id="{BAEFF51B-0E28-4171-AE7C-A31AAB42BC73}"/>
+                <a16:creationId xmlns:a16="http://schemas.microsoft.com/office/drawing/2014/main" id="{BA32F697-D1D4-4B0A-B960-D1869BF8607A}"/>
               </a:ext>
             </a:extLst>
           </p:cNvPr>
@@ -18426,6 +18828,183 @@
               <a:rPr lang="en-GB" smtClean="0"/>
               <a:pPr rtl="0"/>
               <a:t>15</a:t>
+            </a:fld>
+            <a:endParaRPr lang="en-GB"/>
+          </a:p>
+        </p:txBody>
+      </p:sp>
+      <p:sp>
+        <p:nvSpPr>
+          <p:cNvPr id="19" name="Text Placeholder 18">
+            <a:extLst>
+              <a:ext uri="{FF2B5EF4-FFF2-40B4-BE49-F238E27FC236}">
+                <a16:creationId xmlns:a16="http://schemas.microsoft.com/office/drawing/2014/main" id="{6AF93BD6-1402-38FD-1FA9-806F41388ABB}"/>
+              </a:ext>
+            </a:extLst>
+          </p:cNvPr>
+          <p:cNvSpPr>
+            <a:spLocks noGrp="1"/>
+          </p:cNvSpPr>
+          <p:nvPr>
+            <p:ph type="body" sz="quarter" idx="13"/>
+          </p:nvPr>
+        </p:nvSpPr>
+        <p:spPr>
+          <a:xfrm>
+            <a:off x="5922869" y="3546585"/>
+            <a:ext cx="5433204" cy="365125"/>
+          </a:xfrm>
+        </p:spPr>
+        <p:txBody>
+          <a:bodyPr>
+            <a:normAutofit lnSpcReduction="10000"/>
+          </a:bodyPr>
+          <a:lstStyle/>
+          <a:p>
+            <a:r>
+              <a:rPr lang="en-GB" dirty="0"/>
+              <a:t>The </a:t>
+            </a:r>
+            <a:r>
+              <a:rPr lang="en-GB" dirty="0" err="1"/>
+              <a:t>plotly</a:t>
+            </a:r>
+            <a:r>
+              <a:rPr lang="en-GB" dirty="0"/>
+              <a:t> upgrade</a:t>
+            </a:r>
+          </a:p>
+        </p:txBody>
+      </p:sp>
+    </p:spTree>
+    <p:extLst>
+      <p:ext uri="{BB962C8B-B14F-4D97-AF65-F5344CB8AC3E}">
+        <p14:creationId xmlns:p14="http://schemas.microsoft.com/office/powerpoint/2010/main" val="1513661061"/>
+      </p:ext>
+    </p:extLst>
+  </p:cSld>
+  <p:clrMapOvr>
+    <a:masterClrMapping/>
+  </p:clrMapOvr>
+</p:sld>
+</file>
+
+<file path=ppt/slides/slide16.xml><?xml version="1.0" encoding="utf-8"?>
+<p:sld xmlns:a="http://schemas.openxmlformats.org/drawingml/2006/main" xmlns:r="http://schemas.openxmlformats.org/officeDocument/2006/relationships" xmlns:p="http://schemas.openxmlformats.org/presentationml/2006/main">
+  <p:cSld>
+    <p:spTree>
+      <p:nvGrpSpPr>
+        <p:cNvPr id="1" name=""/>
+        <p:cNvGrpSpPr/>
+        <p:nvPr/>
+      </p:nvGrpSpPr>
+      <p:grpSpPr>
+        <a:xfrm>
+          <a:off x="0" y="0"/>
+          <a:ext cx="0" cy="0"/>
+          <a:chOff x="0" y="0"/>
+          <a:chExt cx="0" cy="0"/>
+        </a:xfrm>
+      </p:grpSpPr>
+      <p:sp>
+        <p:nvSpPr>
+          <p:cNvPr id="4" name="Date Placeholder 3">
+            <a:extLst>
+              <a:ext uri="{FF2B5EF4-FFF2-40B4-BE49-F238E27FC236}">
+                <a16:creationId xmlns:a16="http://schemas.microsoft.com/office/drawing/2014/main" id="{13F8C8B5-F6EC-489B-BD0F-CD89A73CAB3A}"/>
+              </a:ext>
+            </a:extLst>
+          </p:cNvPr>
+          <p:cNvSpPr>
+            <a:spLocks noGrp="1"/>
+          </p:cNvSpPr>
+          <p:nvPr>
+            <p:ph type="dt" sz="half" idx="10"/>
+          </p:nvPr>
+        </p:nvSpPr>
+        <p:spPr>
+          <a:xfrm>
+            <a:off x="838200" y="6356350"/>
+            <a:ext cx="2743200" cy="365125"/>
+          </a:xfrm>
+        </p:spPr>
+        <p:txBody>
+          <a:bodyPr rtlCol="0"/>
+          <a:lstStyle/>
+          <a:p>
+            <a:pPr rtl="0"/>
+            <a:r>
+              <a:rPr lang="en-GB" dirty="0"/>
+              <a:t>2024</a:t>
+            </a:r>
+          </a:p>
+        </p:txBody>
+      </p:sp>
+      <p:sp>
+        <p:nvSpPr>
+          <p:cNvPr id="5" name="Footer Placeholder 4">
+            <a:extLst>
+              <a:ext uri="{FF2B5EF4-FFF2-40B4-BE49-F238E27FC236}">
+                <a16:creationId xmlns:a16="http://schemas.microsoft.com/office/drawing/2014/main" id="{11AEA823-8519-4F9D-81FA-3673131076FC}"/>
+              </a:ext>
+            </a:extLst>
+          </p:cNvPr>
+          <p:cNvSpPr>
+            <a:spLocks noGrp="1"/>
+          </p:cNvSpPr>
+          <p:nvPr>
+            <p:ph type="ftr" sz="quarter" idx="11"/>
+          </p:nvPr>
+        </p:nvSpPr>
+        <p:spPr>
+          <a:xfrm>
+            <a:off x="4038600" y="6356350"/>
+            <a:ext cx="4114800" cy="365125"/>
+          </a:xfrm>
+        </p:spPr>
+        <p:txBody>
+          <a:bodyPr rtlCol="0"/>
+          <a:lstStyle/>
+          <a:p>
+            <a:pPr rtl="0"/>
+            <a:r>
+              <a:rPr lang="en-GB"/>
+              <a:t>Pitch Deck</a:t>
+            </a:r>
+          </a:p>
+        </p:txBody>
+      </p:sp>
+      <p:sp>
+        <p:nvSpPr>
+          <p:cNvPr id="6" name="Slide Number Placeholder 5">
+            <a:extLst>
+              <a:ext uri="{FF2B5EF4-FFF2-40B4-BE49-F238E27FC236}">
+                <a16:creationId xmlns:a16="http://schemas.microsoft.com/office/drawing/2014/main" id="{BAEFF51B-0E28-4171-AE7C-A31AAB42BC73}"/>
+              </a:ext>
+            </a:extLst>
+          </p:cNvPr>
+          <p:cNvSpPr>
+            <a:spLocks noGrp="1"/>
+          </p:cNvSpPr>
+          <p:nvPr>
+            <p:ph type="sldNum" sz="quarter" idx="12"/>
+          </p:nvPr>
+        </p:nvSpPr>
+        <p:spPr>
+          <a:xfrm>
+            <a:off x="8610600" y="6356350"/>
+            <a:ext cx="2743200" cy="365125"/>
+          </a:xfrm>
+        </p:spPr>
+        <p:txBody>
+          <a:bodyPr rtlCol="0"/>
+          <a:lstStyle/>
+          <a:p>
+            <a:pPr rtl="0"/>
+            <a:fld id="{B5CEABB6-07DC-46E8-9B57-56EC44A396E5}" type="slidenum">
+              <a:rPr lang="en-GB" smtClean="0"/>
+              <a:pPr rtl="0"/>
+              <a:t>16</a:t>
             </a:fld>
             <a:endParaRPr lang="en-GB"/>
           </a:p>
@@ -18510,224 +19089,6 @@
 </p:sld>
 </file>
 
-<file path=ppt/slides/slide16.xml><?xml version="1.0" encoding="utf-8"?>
-<p:sld xmlns:a="http://schemas.openxmlformats.org/drawingml/2006/main" xmlns:r="http://schemas.openxmlformats.org/officeDocument/2006/relationships" xmlns:p="http://schemas.openxmlformats.org/presentationml/2006/main">
-  <p:cSld>
-    <p:spTree>
-      <p:nvGrpSpPr>
-        <p:cNvPr id="1" name=""/>
-        <p:cNvGrpSpPr/>
-        <p:nvPr/>
-      </p:nvGrpSpPr>
-      <p:grpSpPr>
-        <a:xfrm>
-          <a:off x="0" y="0"/>
-          <a:ext cx="0" cy="0"/>
-          <a:chOff x="0" y="0"/>
-          <a:chExt cx="0" cy="0"/>
-        </a:xfrm>
-      </p:grpSpPr>
-      <p:sp>
-        <p:nvSpPr>
-          <p:cNvPr id="2" name="Title 1">
-            <a:extLst>
-              <a:ext uri="{FF2B5EF4-FFF2-40B4-BE49-F238E27FC236}">
-                <a16:creationId xmlns:a16="http://schemas.microsoft.com/office/drawing/2014/main" id="{BCCAEE93-8585-46D4-A7EC-F184E317CB2E}"/>
-              </a:ext>
-            </a:extLst>
-          </p:cNvPr>
-          <p:cNvSpPr>
-            <a:spLocks noGrp="1"/>
-          </p:cNvSpPr>
-          <p:nvPr>
-            <p:ph type="ctrTitle"/>
-          </p:nvPr>
-        </p:nvSpPr>
-        <p:spPr>
-          <a:xfrm>
-            <a:off x="4267200" y="1615736"/>
-            <a:ext cx="4179570" cy="1524735"/>
-          </a:xfrm>
-        </p:spPr>
-        <p:txBody>
-          <a:bodyPr rtlCol="0"/>
-          <a:lstStyle/>
-          <a:p>
-            <a:pPr rtl="0"/>
-            <a:r>
-              <a:rPr lang="en-GB" dirty="0"/>
-              <a:t>THANK YOU</a:t>
-            </a:r>
-          </a:p>
-        </p:txBody>
-      </p:sp>
-      <p:sp>
-        <p:nvSpPr>
-          <p:cNvPr id="3" name="Content Placeholder 2">
-            <a:extLst>
-              <a:ext uri="{FF2B5EF4-FFF2-40B4-BE49-F238E27FC236}">
-                <a16:creationId xmlns:a16="http://schemas.microsoft.com/office/drawing/2014/main" id="{24AFFC60-19C3-4901-93F7-7AAF4C09F8C6}"/>
-              </a:ext>
-            </a:extLst>
-          </p:cNvPr>
-          <p:cNvSpPr>
-            <a:spLocks noGrp="1"/>
-          </p:cNvSpPr>
-          <p:nvPr>
-            <p:ph type="subTitle" idx="1"/>
-          </p:nvPr>
-        </p:nvSpPr>
-        <p:spPr>
-          <a:xfrm>
-            <a:off x="4267200" y="3238103"/>
-            <a:ext cx="4179570" cy="2004161"/>
-          </a:xfrm>
-        </p:spPr>
-        <p:txBody>
-          <a:bodyPr rtlCol="0">
-            <a:normAutofit/>
-          </a:bodyPr>
-          <a:lstStyle/>
-          <a:p>
-            <a:pPr rtl="0"/>
-            <a:r>
-              <a:rPr lang="en-GB" dirty="0"/>
-              <a:t>Maxim Oweyssi​</a:t>
-            </a:r>
-          </a:p>
-          <a:p>
-            <a:pPr rtl="0"/>
-            <a:r>
-              <a:rPr lang="en-GB" dirty="0"/>
-              <a:t>+44 7340 066 589</a:t>
-            </a:r>
-          </a:p>
-          <a:p>
-            <a:pPr rtl="0"/>
-            <a:r>
-              <a:rPr lang="en-GB" dirty="0"/>
-              <a:t>maxim.oweyssi@gmail.com</a:t>
-            </a:r>
-          </a:p>
-        </p:txBody>
-      </p:sp>
-      <p:sp>
-        <p:nvSpPr>
-          <p:cNvPr id="4" name="Date Placeholder 3">
-            <a:extLst>
-              <a:ext uri="{FF2B5EF4-FFF2-40B4-BE49-F238E27FC236}">
-                <a16:creationId xmlns:a16="http://schemas.microsoft.com/office/drawing/2014/main" id="{72DA7980-C870-4C9A-84FA-4120D8AF5DE8}"/>
-              </a:ext>
-            </a:extLst>
-          </p:cNvPr>
-          <p:cNvSpPr>
-            <a:spLocks noGrp="1"/>
-          </p:cNvSpPr>
-          <p:nvPr>
-            <p:ph type="dt" sz="half" idx="10"/>
-          </p:nvPr>
-        </p:nvSpPr>
-        <p:spPr>
-          <a:xfrm>
-            <a:off x="4267200" y="6356350"/>
-            <a:ext cx="1774371" cy="365125"/>
-          </a:xfrm>
-        </p:spPr>
-        <p:txBody>
-          <a:bodyPr rtlCol="0"/>
-          <a:lstStyle/>
-          <a:p>
-            <a:pPr rtl="0"/>
-            <a:r>
-              <a:rPr lang="en-GB" dirty="0"/>
-              <a:t>2024</a:t>
-            </a:r>
-          </a:p>
-        </p:txBody>
-      </p:sp>
-      <p:sp>
-        <p:nvSpPr>
-          <p:cNvPr id="5" name="Footer Placeholder 4">
-            <a:extLst>
-              <a:ext uri="{FF2B5EF4-FFF2-40B4-BE49-F238E27FC236}">
-                <a16:creationId xmlns:a16="http://schemas.microsoft.com/office/drawing/2014/main" id="{0DFADE42-1A3F-40C8-A071-E57644F3D843}"/>
-              </a:ext>
-            </a:extLst>
-          </p:cNvPr>
-          <p:cNvSpPr>
-            <a:spLocks noGrp="1"/>
-          </p:cNvSpPr>
-          <p:nvPr>
-            <p:ph type="ftr" sz="quarter" idx="11"/>
-          </p:nvPr>
-        </p:nvSpPr>
-        <p:spPr>
-          <a:xfrm>
-            <a:off x="6479721" y="6356350"/>
-            <a:ext cx="2661557" cy="365125"/>
-          </a:xfrm>
-        </p:spPr>
-        <p:txBody>
-          <a:bodyPr rtlCol="0"/>
-          <a:lstStyle/>
-          <a:p>
-            <a:pPr rtl="0"/>
-            <a:r>
-              <a:rPr lang="en-GB" dirty="0"/>
-              <a:t>1in1000 Technical Interview</a:t>
-            </a:r>
-          </a:p>
-        </p:txBody>
-      </p:sp>
-      <p:sp>
-        <p:nvSpPr>
-          <p:cNvPr id="6" name="Slide Number Placeholder 5">
-            <a:extLst>
-              <a:ext uri="{FF2B5EF4-FFF2-40B4-BE49-F238E27FC236}">
-                <a16:creationId xmlns:a16="http://schemas.microsoft.com/office/drawing/2014/main" id="{5EDCFF82-B70F-4971-9182-7C3AEA3CFD26}"/>
-              </a:ext>
-            </a:extLst>
-          </p:cNvPr>
-          <p:cNvSpPr>
-            <a:spLocks noGrp="1"/>
-          </p:cNvSpPr>
-          <p:nvPr>
-            <p:ph type="sldNum" sz="quarter" idx="12"/>
-          </p:nvPr>
-        </p:nvSpPr>
-        <p:spPr>
-          <a:xfrm>
-            <a:off x="9579428" y="6356350"/>
-            <a:ext cx="1774371" cy="365125"/>
-          </a:xfrm>
-        </p:spPr>
-        <p:txBody>
-          <a:bodyPr rtlCol="0"/>
-          <a:lstStyle/>
-          <a:p>
-            <a:pPr rtl="0"/>
-            <a:fld id="{B5CEABB6-07DC-46E8-9B57-56EC44A396E5}" type="slidenum">
-              <a:rPr lang="en-GB" smtClean="0"/>
-              <a:pPr rtl="0"/>
-              <a:t>16</a:t>
-            </a:fld>
-            <a:endParaRPr lang="en-GB"/>
-          </a:p>
-        </p:txBody>
-      </p:sp>
-    </p:spTree>
-    <p:extLst>
-      <p:ext uri="{BB962C8B-B14F-4D97-AF65-F5344CB8AC3E}">
-        <p14:creationId xmlns:p14="http://schemas.microsoft.com/office/powerpoint/2010/main" val="2436493926"/>
-      </p:ext>
-    </p:extLst>
-  </p:cSld>
-  <p:clrMapOvr>
-    <a:masterClrMapping/>
-  </p:clrMapOvr>
-</p:sld>
-</file>
-
 <file path=ppt/slides/slide17.xml><?xml version="1.0" encoding="utf-8"?>
 <p:sld xmlns:a="http://schemas.openxmlformats.org/drawingml/2006/main" xmlns:r="http://schemas.openxmlformats.org/officeDocument/2006/relationships" xmlns:p="http://schemas.openxmlformats.org/presentationml/2006/main">
   <p:cSld>
@@ -18750,21 +19111,21 @@
           <p:cNvPr id="2" name="Title 1">
             <a:extLst>
               <a:ext uri="{FF2B5EF4-FFF2-40B4-BE49-F238E27FC236}">
-                <a16:creationId xmlns:a16="http://schemas.microsoft.com/office/drawing/2014/main" id="{75031FE9-9059-4FE8-B4AC-9771F23A1B89}"/>
-              </a:ext>
-            </a:extLst>
-          </p:cNvPr>
-          <p:cNvSpPr>
-            <a:spLocks noGrp="1"/>
-          </p:cNvSpPr>
-          <p:nvPr>
-            <p:ph type="title"/>
-          </p:nvPr>
-        </p:nvSpPr>
-        <p:spPr>
-          <a:xfrm>
-            <a:off x="1508760" y="4156405"/>
-            <a:ext cx="3139440" cy="1325563"/>
+                <a16:creationId xmlns:a16="http://schemas.microsoft.com/office/drawing/2014/main" id="{BCCAEE93-8585-46D4-A7EC-F184E317CB2E}"/>
+              </a:ext>
+            </a:extLst>
+          </p:cNvPr>
+          <p:cNvSpPr>
+            <a:spLocks noGrp="1"/>
+          </p:cNvSpPr>
+          <p:nvPr>
+            <p:ph type="ctrTitle"/>
+          </p:nvPr>
+        </p:nvSpPr>
+        <p:spPr>
+          <a:xfrm>
+            <a:off x="4267200" y="1615736"/>
+            <a:ext cx="4179570" cy="1524735"/>
           </a:xfrm>
         </p:spPr>
         <p:txBody>
@@ -18774,31 +19135,92 @@
             <a:pPr rtl="0"/>
             <a:r>
               <a:rPr lang="en-GB" dirty="0"/>
-              <a:t>Explainable ai assistant</a:t>
-            </a:r>
-          </a:p>
-        </p:txBody>
-      </p:sp>
-      <p:sp>
-        <p:nvSpPr>
-          <p:cNvPr id="20" name="Date Placeholder 19">
-            <a:extLst>
-              <a:ext uri="{FF2B5EF4-FFF2-40B4-BE49-F238E27FC236}">
-                <a16:creationId xmlns:a16="http://schemas.microsoft.com/office/drawing/2014/main" id="{A74D661B-510C-4CF2-BF77-3EAFB649883D}"/>
-              </a:ext>
-            </a:extLst>
-          </p:cNvPr>
-          <p:cNvSpPr>
-            <a:spLocks noGrp="1"/>
-          </p:cNvSpPr>
-          <p:nvPr>
-            <p:ph type="dt" sz="half" idx="20"/>
-          </p:nvPr>
-        </p:nvSpPr>
-        <p:spPr>
-          <a:xfrm>
-            <a:off x="5919680" y="6356350"/>
-            <a:ext cx="947516" cy="365125"/>
+              <a:t>THANK YOU</a:t>
+            </a:r>
+          </a:p>
+        </p:txBody>
+      </p:sp>
+      <p:sp>
+        <p:nvSpPr>
+          <p:cNvPr id="3" name="Content Placeholder 2">
+            <a:extLst>
+              <a:ext uri="{FF2B5EF4-FFF2-40B4-BE49-F238E27FC236}">
+                <a16:creationId xmlns:a16="http://schemas.microsoft.com/office/drawing/2014/main" id="{24AFFC60-19C3-4901-93F7-7AAF4C09F8C6}"/>
+              </a:ext>
+            </a:extLst>
+          </p:cNvPr>
+          <p:cNvSpPr>
+            <a:spLocks noGrp="1"/>
+          </p:cNvSpPr>
+          <p:nvPr>
+            <p:ph type="subTitle" idx="1"/>
+          </p:nvPr>
+        </p:nvSpPr>
+        <p:spPr>
+          <a:xfrm>
+            <a:off x="4267200" y="3238103"/>
+            <a:ext cx="4179570" cy="2004161"/>
+          </a:xfrm>
+        </p:spPr>
+        <p:txBody>
+          <a:bodyPr rtlCol="0">
+            <a:normAutofit/>
+          </a:bodyPr>
+          <a:lstStyle/>
+          <a:p>
+            <a:pPr rtl="0"/>
+            <a:r>
+              <a:rPr lang="en-GB" dirty="0"/>
+              <a:t>Maxim Oweyssi​</a:t>
+            </a:r>
+          </a:p>
+          <a:p>
+            <a:pPr rtl="0"/>
+            <a:r>
+              <a:rPr lang="en-GB" dirty="0"/>
+              <a:t>+44 7340 066 589</a:t>
+            </a:r>
+          </a:p>
+          <a:p>
+            <a:pPr rtl="0"/>
+            <a:r>
+              <a:rPr lang="en-GB" dirty="0"/>
+              <a:t>maxim.oweyssi@gmail.com</a:t>
+            </a:r>
+          </a:p>
+          <a:p>
+            <a:pPr rtl="0"/>
+            <a:r>
+              <a:rPr lang="en-GB" dirty="0"/>
+              <a:t>https://github.com/moweyssi/1in1000</a:t>
+            </a:r>
+          </a:p>
+          <a:p>
+            <a:pPr rtl="0"/>
+            <a:endParaRPr lang="en-GB" dirty="0"/>
+          </a:p>
+        </p:txBody>
+      </p:sp>
+      <p:sp>
+        <p:nvSpPr>
+          <p:cNvPr id="4" name="Date Placeholder 3">
+            <a:extLst>
+              <a:ext uri="{FF2B5EF4-FFF2-40B4-BE49-F238E27FC236}">
+                <a16:creationId xmlns:a16="http://schemas.microsoft.com/office/drawing/2014/main" id="{72DA7980-C870-4C9A-84FA-4120D8AF5DE8}"/>
+              </a:ext>
+            </a:extLst>
+          </p:cNvPr>
+          <p:cNvSpPr>
+            <a:spLocks noGrp="1"/>
+          </p:cNvSpPr>
+          <p:nvPr>
+            <p:ph type="dt" sz="half" idx="10"/>
+          </p:nvPr>
+        </p:nvSpPr>
+        <p:spPr>
+          <a:xfrm>
+            <a:off x="4267200" y="6356350"/>
+            <a:ext cx="1774371" cy="365125"/>
           </a:xfrm>
         </p:spPr>
         <p:txBody>
@@ -18807,32 +19229,32 @@
           <a:p>
             <a:pPr rtl="0"/>
             <a:r>
-              <a:rPr lang="en-GB"/>
-              <a:t>20XX</a:t>
-            </a:r>
-          </a:p>
-        </p:txBody>
-      </p:sp>
-      <p:sp>
-        <p:nvSpPr>
-          <p:cNvPr id="21" name="Footer Placeholder 20">
-            <a:extLst>
-              <a:ext uri="{FF2B5EF4-FFF2-40B4-BE49-F238E27FC236}">
-                <a16:creationId xmlns:a16="http://schemas.microsoft.com/office/drawing/2014/main" id="{7E44CAC0-3B5A-49F6-A2CB-0BC80D111A87}"/>
-              </a:ext>
-            </a:extLst>
-          </p:cNvPr>
-          <p:cNvSpPr>
-            <a:spLocks noGrp="1"/>
-          </p:cNvSpPr>
-          <p:nvPr>
-            <p:ph type="ftr" sz="quarter" idx="21"/>
-          </p:nvPr>
-        </p:nvSpPr>
-        <p:spPr>
-          <a:xfrm>
-            <a:off x="7161955" y="6356350"/>
-            <a:ext cx="3243942" cy="365125"/>
+              <a:rPr lang="en-GB" dirty="0"/>
+              <a:t>2024</a:t>
+            </a:r>
+          </a:p>
+        </p:txBody>
+      </p:sp>
+      <p:sp>
+        <p:nvSpPr>
+          <p:cNvPr id="5" name="Footer Placeholder 4">
+            <a:extLst>
+              <a:ext uri="{FF2B5EF4-FFF2-40B4-BE49-F238E27FC236}">
+                <a16:creationId xmlns:a16="http://schemas.microsoft.com/office/drawing/2014/main" id="{0DFADE42-1A3F-40C8-A071-E57644F3D843}"/>
+              </a:ext>
+            </a:extLst>
+          </p:cNvPr>
+          <p:cNvSpPr>
+            <a:spLocks noGrp="1"/>
+          </p:cNvSpPr>
+          <p:nvPr>
+            <p:ph type="ftr" sz="quarter" idx="11"/>
+          </p:nvPr>
+        </p:nvSpPr>
+        <p:spPr>
+          <a:xfrm>
+            <a:off x="6479721" y="6356350"/>
+            <a:ext cx="2661557" cy="365125"/>
           </a:xfrm>
         </p:spPr>
         <p:txBody>
@@ -18841,32 +19263,32 @@
           <a:p>
             <a:pPr rtl="0"/>
             <a:r>
-              <a:rPr lang="en-GB"/>
-              <a:t>Pitch Deck</a:t>
-            </a:r>
-          </a:p>
-        </p:txBody>
-      </p:sp>
-      <p:sp>
-        <p:nvSpPr>
-          <p:cNvPr id="22" name="Slide Number Placeholder 21">
-            <a:extLst>
-              <a:ext uri="{FF2B5EF4-FFF2-40B4-BE49-F238E27FC236}">
-                <a16:creationId xmlns:a16="http://schemas.microsoft.com/office/drawing/2014/main" id="{5D1BD041-3428-4D62-934F-F3FF6D36F90F}"/>
-              </a:ext>
-            </a:extLst>
-          </p:cNvPr>
-          <p:cNvSpPr>
-            <a:spLocks noGrp="1"/>
-          </p:cNvSpPr>
-          <p:nvPr>
-            <p:ph type="sldNum" sz="quarter" idx="22"/>
-          </p:nvPr>
-        </p:nvSpPr>
-        <p:spPr>
-          <a:xfrm>
-            <a:off x="10700656" y="6356350"/>
-            <a:ext cx="653143" cy="365125"/>
+              <a:rPr lang="en-GB" dirty="0"/>
+              <a:t>1in1000 Technical Interview</a:t>
+            </a:r>
+          </a:p>
+        </p:txBody>
+      </p:sp>
+      <p:sp>
+        <p:nvSpPr>
+          <p:cNvPr id="6" name="Slide Number Placeholder 5">
+            <a:extLst>
+              <a:ext uri="{FF2B5EF4-FFF2-40B4-BE49-F238E27FC236}">
+                <a16:creationId xmlns:a16="http://schemas.microsoft.com/office/drawing/2014/main" id="{5EDCFF82-B70F-4971-9182-7C3AEA3CFD26}"/>
+              </a:ext>
+            </a:extLst>
+          </p:cNvPr>
+          <p:cNvSpPr>
+            <a:spLocks noGrp="1"/>
+          </p:cNvSpPr>
+          <p:nvPr>
+            <p:ph type="sldNum" sz="quarter" idx="12"/>
+          </p:nvPr>
+        </p:nvSpPr>
+        <p:spPr>
+          <a:xfrm>
+            <a:off x="9579428" y="6356350"/>
+            <a:ext cx="1774371" cy="365125"/>
           </a:xfrm>
         </p:spPr>
         <p:txBody>
@@ -18878,6 +19300,174 @@
               <a:rPr lang="en-GB" smtClean="0"/>
               <a:pPr rtl="0"/>
               <a:t>17</a:t>
+            </a:fld>
+            <a:endParaRPr lang="en-GB"/>
+          </a:p>
+        </p:txBody>
+      </p:sp>
+    </p:spTree>
+    <p:extLst>
+      <p:ext uri="{BB962C8B-B14F-4D97-AF65-F5344CB8AC3E}">
+        <p14:creationId xmlns:p14="http://schemas.microsoft.com/office/powerpoint/2010/main" val="2436493926"/>
+      </p:ext>
+    </p:extLst>
+  </p:cSld>
+  <p:clrMapOvr>
+    <a:masterClrMapping/>
+  </p:clrMapOvr>
+</p:sld>
+</file>
+
+<file path=ppt/slides/slide18.xml><?xml version="1.0" encoding="utf-8"?>
+<p:sld xmlns:a="http://schemas.openxmlformats.org/drawingml/2006/main" xmlns:r="http://schemas.openxmlformats.org/officeDocument/2006/relationships" xmlns:p="http://schemas.openxmlformats.org/presentationml/2006/main">
+  <p:cSld>
+    <p:spTree>
+      <p:nvGrpSpPr>
+        <p:cNvPr id="1" name=""/>
+        <p:cNvGrpSpPr/>
+        <p:nvPr/>
+      </p:nvGrpSpPr>
+      <p:grpSpPr>
+        <a:xfrm>
+          <a:off x="0" y="0"/>
+          <a:ext cx="0" cy="0"/>
+          <a:chOff x="0" y="0"/>
+          <a:chExt cx="0" cy="0"/>
+        </a:xfrm>
+      </p:grpSpPr>
+      <p:sp>
+        <p:nvSpPr>
+          <p:cNvPr id="2" name="Title 1">
+            <a:extLst>
+              <a:ext uri="{FF2B5EF4-FFF2-40B4-BE49-F238E27FC236}">
+                <a16:creationId xmlns:a16="http://schemas.microsoft.com/office/drawing/2014/main" id="{75031FE9-9059-4FE8-B4AC-9771F23A1B89}"/>
+              </a:ext>
+            </a:extLst>
+          </p:cNvPr>
+          <p:cNvSpPr>
+            <a:spLocks noGrp="1"/>
+          </p:cNvSpPr>
+          <p:nvPr>
+            <p:ph type="title"/>
+          </p:nvPr>
+        </p:nvSpPr>
+        <p:spPr>
+          <a:xfrm>
+            <a:off x="1508760" y="4156405"/>
+            <a:ext cx="3139440" cy="1325563"/>
+          </a:xfrm>
+        </p:spPr>
+        <p:txBody>
+          <a:bodyPr rtlCol="0"/>
+          <a:lstStyle/>
+          <a:p>
+            <a:pPr rtl="0"/>
+            <a:r>
+              <a:rPr lang="en-GB" dirty="0"/>
+              <a:t>Explainable ai assistant</a:t>
+            </a:r>
+          </a:p>
+        </p:txBody>
+      </p:sp>
+      <p:sp>
+        <p:nvSpPr>
+          <p:cNvPr id="20" name="Date Placeholder 19">
+            <a:extLst>
+              <a:ext uri="{FF2B5EF4-FFF2-40B4-BE49-F238E27FC236}">
+                <a16:creationId xmlns:a16="http://schemas.microsoft.com/office/drawing/2014/main" id="{A74D661B-510C-4CF2-BF77-3EAFB649883D}"/>
+              </a:ext>
+            </a:extLst>
+          </p:cNvPr>
+          <p:cNvSpPr>
+            <a:spLocks noGrp="1"/>
+          </p:cNvSpPr>
+          <p:nvPr>
+            <p:ph type="dt" sz="half" idx="20"/>
+          </p:nvPr>
+        </p:nvSpPr>
+        <p:spPr>
+          <a:xfrm>
+            <a:off x="5919680" y="6356350"/>
+            <a:ext cx="947516" cy="365125"/>
+          </a:xfrm>
+        </p:spPr>
+        <p:txBody>
+          <a:bodyPr rtlCol="0"/>
+          <a:lstStyle/>
+          <a:p>
+            <a:pPr rtl="0"/>
+            <a:r>
+              <a:rPr lang="en-GB"/>
+              <a:t>20XX</a:t>
+            </a:r>
+          </a:p>
+        </p:txBody>
+      </p:sp>
+      <p:sp>
+        <p:nvSpPr>
+          <p:cNvPr id="21" name="Footer Placeholder 20">
+            <a:extLst>
+              <a:ext uri="{FF2B5EF4-FFF2-40B4-BE49-F238E27FC236}">
+                <a16:creationId xmlns:a16="http://schemas.microsoft.com/office/drawing/2014/main" id="{7E44CAC0-3B5A-49F6-A2CB-0BC80D111A87}"/>
+              </a:ext>
+            </a:extLst>
+          </p:cNvPr>
+          <p:cNvSpPr>
+            <a:spLocks noGrp="1"/>
+          </p:cNvSpPr>
+          <p:nvPr>
+            <p:ph type="ftr" sz="quarter" idx="21"/>
+          </p:nvPr>
+        </p:nvSpPr>
+        <p:spPr>
+          <a:xfrm>
+            <a:off x="7161955" y="6356350"/>
+            <a:ext cx="3243942" cy="365125"/>
+          </a:xfrm>
+        </p:spPr>
+        <p:txBody>
+          <a:bodyPr rtlCol="0"/>
+          <a:lstStyle/>
+          <a:p>
+            <a:pPr rtl="0"/>
+            <a:r>
+              <a:rPr lang="en-GB"/>
+              <a:t>Pitch Deck</a:t>
+            </a:r>
+          </a:p>
+        </p:txBody>
+      </p:sp>
+      <p:sp>
+        <p:nvSpPr>
+          <p:cNvPr id="22" name="Slide Number Placeholder 21">
+            <a:extLst>
+              <a:ext uri="{FF2B5EF4-FFF2-40B4-BE49-F238E27FC236}">
+                <a16:creationId xmlns:a16="http://schemas.microsoft.com/office/drawing/2014/main" id="{5D1BD041-3428-4D62-934F-F3FF6D36F90F}"/>
+              </a:ext>
+            </a:extLst>
+          </p:cNvPr>
+          <p:cNvSpPr>
+            <a:spLocks noGrp="1"/>
+          </p:cNvSpPr>
+          <p:nvPr>
+            <p:ph type="sldNum" sz="quarter" idx="22"/>
+          </p:nvPr>
+        </p:nvSpPr>
+        <p:spPr>
+          <a:xfrm>
+            <a:off x="10700656" y="6356350"/>
+            <a:ext cx="653143" cy="365125"/>
+          </a:xfrm>
+        </p:spPr>
+        <p:txBody>
+          <a:bodyPr rtlCol="0"/>
+          <a:lstStyle/>
+          <a:p>
+            <a:pPr rtl="0"/>
+            <a:fld id="{B5CEABB6-07DC-46E8-9B57-56EC44A396E5}" type="slidenum">
+              <a:rPr lang="en-GB" smtClean="0"/>
+              <a:pPr rtl="0"/>
+              <a:t>18</a:t>
             </a:fld>
             <a:endParaRPr lang="en-GB"/>
           </a:p>
@@ -18962,7 +19552,7 @@
 </p:sld>
 </file>
 
-<file path=ppt/slides/slide18.xml><?xml version="1.0" encoding="utf-8"?>
+<file path=ppt/slides/slide19.xml><?xml version="1.0" encoding="utf-8"?>
 <p:sld xmlns:a="http://schemas.openxmlformats.org/drawingml/2006/main" xmlns:r="http://schemas.openxmlformats.org/officeDocument/2006/relationships" xmlns:p="http://schemas.openxmlformats.org/presentationml/2006/main">
   <p:cSld>
     <p:spTree>
@@ -19057,8 +19647,8 @@
           <a:p>
             <a:pPr rtl="0"/>
             <a:r>
-              <a:rPr lang="en-GB"/>
-              <a:t>20XX</a:t>
+              <a:rPr lang="en-GB" dirty="0"/>
+              <a:t>2024</a:t>
             </a:r>
           </a:p>
         </p:txBody>
@@ -19092,7 +19682,7 @@
             <a:pPr rtl="0"/>
             <a:r>
               <a:rPr lang="en-GB" dirty="0"/>
-              <a:t>Pitch Deck</a:t>
+              <a:t>1in1000 Technical Interview</a:t>
             </a:r>
           </a:p>
         </p:txBody>
@@ -19127,7 +19717,7 @@
             <a:fld id="{B5CEABB6-07DC-46E8-9B57-56EC44A396E5}" type="slidenum">
               <a:rPr lang="en-GB" smtClean="0"/>
               <a:pPr rtl="0"/>
-              <a:t>18</a:t>
+              <a:t>19</a:t>
             </a:fld>
             <a:endParaRPr lang="en-GB"/>
           </a:p>
@@ -19393,13 +19983,8 @@
             <a:pPr rtl="0"/>
             <a:r>
               <a:rPr lang="en-GB" dirty="0"/>
-              <a:t>1in1000 Technical </a:t>
-            </a:r>
-            <a:r>
-              <a:rPr lang="en-GB" dirty="0" err="1"/>
-              <a:t>Intervew</a:t>
-            </a:r>
-            <a:endParaRPr lang="en-GB" dirty="0"/>
+              <a:t>1in1000 Technical Interview</a:t>
+            </a:r>
           </a:p>
         </p:txBody>
       </p:sp>
@@ -19660,7 +20245,7 @@
         <p:spPr>
           <a:xfrm>
             <a:off x="4401535" y="1594478"/>
-            <a:ext cx="5539095" cy="1010842"/>
+            <a:ext cx="5856370" cy="1010842"/>
           </a:xfrm>
         </p:spPr>
         <p:txBody>
@@ -19670,15 +20255,7 @@
             <a:pPr rtl="0"/>
             <a:r>
               <a:rPr lang="en-GB" dirty="0"/>
-              <a:t>Manipulating two </a:t>
-            </a:r>
-            <a:r>
-              <a:rPr lang="en-GB" dirty="0" err="1"/>
-              <a:t>dataframes</a:t>
-            </a:r>
-            <a:r>
-              <a:rPr lang="en-GB" dirty="0"/>
-              <a:t> in R to match required database format. Wrangling involves pivots, filtering, column operations.</a:t>
+              <a:t>Manipulating two data frames in R to match the required database format. Wrangling involves pivots, filtering and column operations.</a:t>
             </a:r>
           </a:p>
         </p:txBody>
@@ -19788,12 +20365,8 @@
             <a:pPr rtl="0"/>
             <a:r>
               <a:rPr lang="en-GB" dirty="0"/>
-              <a:t>Extras and relevant work since last interview.</a:t>
-            </a:r>
-          </a:p>
-          <a:p>
-            <a:pPr rtl="0"/>
-            <a:endParaRPr lang="en-GB" dirty="0"/>
+              <a:t>Questions and relevant work since the last interview.</a:t>
+            </a:r>
           </a:p>
         </p:txBody>
       </p:sp>
@@ -19860,13 +20433,8 @@
             <a:pPr rtl="0"/>
             <a:r>
               <a:rPr lang="en-GB" dirty="0"/>
-              <a:t>1in1000 Technical </a:t>
-            </a:r>
-            <a:r>
-              <a:rPr lang="en-GB" dirty="0" err="1"/>
-              <a:t>Intervew</a:t>
-            </a:r>
-            <a:endParaRPr lang="en-GB" dirty="0"/>
+              <a:t>1in1000 Technical Interview</a:t>
+            </a:r>
           </a:p>
         </p:txBody>
       </p:sp>
@@ -20033,13 +20601,8 @@
             <a:pPr rtl="0"/>
             <a:r>
               <a:rPr lang="en-GB" dirty="0"/>
-              <a:t>1in1000 Technical </a:t>
-            </a:r>
-            <a:r>
-              <a:rPr lang="en-GB" dirty="0" err="1"/>
-              <a:t>Intervew</a:t>
-            </a:r>
-            <a:endParaRPr lang="en-GB" dirty="0"/>
+              <a:t>1in1000 Technical Interview</a:t>
+            </a:r>
           </a:p>
         </p:txBody>
       </p:sp>
@@ -20247,13 +20810,8 @@
             <a:pPr rtl="0"/>
             <a:r>
               <a:rPr lang="en-GB" dirty="0"/>
-              <a:t>1in1000 Technical </a:t>
-            </a:r>
-            <a:r>
-              <a:rPr lang="en-GB" dirty="0" err="1"/>
-              <a:t>Intervew</a:t>
-            </a:r>
-            <a:endParaRPr lang="en-GB" dirty="0"/>
+              <a:t>1in1000 Technical Interview</a:t>
+            </a:r>
           </a:p>
         </p:txBody>
       </p:sp>
@@ -20462,13 +21020,8 @@
             <a:pPr rtl="0"/>
             <a:r>
               <a:rPr lang="en-GB" dirty="0"/>
-              <a:t>1in1000 Technical </a:t>
-            </a:r>
-            <a:r>
-              <a:rPr lang="en-GB" dirty="0" err="1"/>
-              <a:t>Intervew</a:t>
-            </a:r>
-            <a:endParaRPr lang="en-GB" dirty="0"/>
+              <a:t>1in1000 Technical Interview</a:t>
+            </a:r>
           </a:p>
         </p:txBody>
       </p:sp>
@@ -20677,13 +21230,8 @@
             <a:pPr rtl="0"/>
             <a:r>
               <a:rPr lang="en-GB" dirty="0"/>
-              <a:t>1in1000 Technical </a:t>
-            </a:r>
-            <a:r>
-              <a:rPr lang="en-GB" dirty="0" err="1"/>
-              <a:t>Intervew</a:t>
-            </a:r>
-            <a:endParaRPr lang="en-GB" dirty="0"/>
+              <a:t>1in1000 Technical Interview</a:t>
+            </a:r>
           </a:p>
         </p:txBody>
       </p:sp>
@@ -20941,13 +21489,8 @@
             <a:pPr rtl="0"/>
             <a:r>
               <a:rPr lang="en-GB" dirty="0"/>
-              <a:t>1in1000 Technical </a:t>
-            </a:r>
-            <a:r>
-              <a:rPr lang="en-GB" dirty="0" err="1"/>
-              <a:t>Intervew</a:t>
-            </a:r>
-            <a:endParaRPr lang="en-GB" dirty="0"/>
+              <a:t>1in1000 Technical Interview</a:t>
+            </a:r>
           </a:p>
         </p:txBody>
       </p:sp>
@@ -21064,7 +21607,7 @@
           <p:cNvPr id="2" name="Title 1">
             <a:extLst>
               <a:ext uri="{FF2B5EF4-FFF2-40B4-BE49-F238E27FC236}">
-                <a16:creationId xmlns:a16="http://schemas.microsoft.com/office/drawing/2014/main" id="{5CE54ABB-4929-4810-950B-2DAEA0A5BAB4}"/>
+                <a16:creationId xmlns:a16="http://schemas.microsoft.com/office/drawing/2014/main" id="{39605AF1-623C-4E09-AB5D-8DD0571489F6}"/>
               </a:ext>
             </a:extLst>
           </p:cNvPr>
@@ -21077,8 +21620,8 @@
         </p:nvSpPr>
         <p:spPr>
           <a:xfrm>
-            <a:off x="1885156" y="892177"/>
-            <a:ext cx="8421688" cy="1325563"/>
+            <a:off x="5923486" y="2882847"/>
+            <a:ext cx="5431971" cy="846301"/>
           </a:xfrm>
         </p:spPr>
         <p:txBody>
@@ -21095,10 +21638,10 @@
       </p:sp>
       <p:sp>
         <p:nvSpPr>
-          <p:cNvPr id="9" name="Date Placeholder 8">
-            <a:extLst>
-              <a:ext uri="{FF2B5EF4-FFF2-40B4-BE49-F238E27FC236}">
-                <a16:creationId xmlns:a16="http://schemas.microsoft.com/office/drawing/2014/main" id="{7B78F7A0-88C5-4940-B21C-099F472F39F9}"/>
+          <p:cNvPr id="4" name="Date Placeholder 3">
+            <a:extLst>
+              <a:ext uri="{FF2B5EF4-FFF2-40B4-BE49-F238E27FC236}">
+                <a16:creationId xmlns:a16="http://schemas.microsoft.com/office/drawing/2014/main" id="{7FDC0E0A-2715-4BF9-8659-0ED8629BA242}"/>
               </a:ext>
             </a:extLst>
           </p:cNvPr>
@@ -21124,16 +21667,15 @@
               <a:rPr lang="en-GB"/>
               <a:t>20XX</a:t>
             </a:r>
-            <a:endParaRPr lang="en-GB" dirty="0"/>
-          </a:p>
-        </p:txBody>
-      </p:sp>
-      <p:sp>
-        <p:nvSpPr>
-          <p:cNvPr id="10" name="Footer Placeholder 9">
-            <a:extLst>
-              <a:ext uri="{FF2B5EF4-FFF2-40B4-BE49-F238E27FC236}">
-                <a16:creationId xmlns:a16="http://schemas.microsoft.com/office/drawing/2014/main" id="{D2186069-FC8E-433D-9BB4-942220CE8CFB}"/>
+          </a:p>
+        </p:txBody>
+      </p:sp>
+      <p:sp>
+        <p:nvSpPr>
+          <p:cNvPr id="5" name="Footer Placeholder 4">
+            <a:extLst>
+              <a:ext uri="{FF2B5EF4-FFF2-40B4-BE49-F238E27FC236}">
+                <a16:creationId xmlns:a16="http://schemas.microsoft.com/office/drawing/2014/main" id="{20E75224-81EB-4CDA-BBBE-44B4B2F3C039}"/>
               </a:ext>
             </a:extLst>
           </p:cNvPr>
@@ -21157,22 +21699,17 @@
             <a:pPr rtl="0"/>
             <a:r>
               <a:rPr lang="en-GB" dirty="0"/>
-              <a:t>1in1000 Technical </a:t>
-            </a:r>
-            <a:r>
-              <a:rPr lang="en-GB" dirty="0" err="1"/>
-              <a:t>Intervew</a:t>
-            </a:r>
-            <a:endParaRPr lang="en-GB" dirty="0"/>
-          </a:p>
-        </p:txBody>
-      </p:sp>
-      <p:sp>
-        <p:nvSpPr>
-          <p:cNvPr id="11" name="Slide Number Placeholder 10">
-            <a:extLst>
-              <a:ext uri="{FF2B5EF4-FFF2-40B4-BE49-F238E27FC236}">
-                <a16:creationId xmlns:a16="http://schemas.microsoft.com/office/drawing/2014/main" id="{BAD5B6F4-0A90-447A-A1AE-D75C934B6B29}"/>
+              <a:t>1in1000 Technical Interview</a:t>
+            </a:r>
+          </a:p>
+        </p:txBody>
+      </p:sp>
+      <p:sp>
+        <p:nvSpPr>
+          <p:cNvPr id="6" name="Slide Number Placeholder 5">
+            <a:extLst>
+              <a:ext uri="{FF2B5EF4-FFF2-40B4-BE49-F238E27FC236}">
+                <a16:creationId xmlns:a16="http://schemas.microsoft.com/office/drawing/2014/main" id="{BA32F697-D1D4-4B0A-B960-D1869BF8607A}"/>
               </a:ext>
             </a:extLst>
           </p:cNvPr>
@@ -21199,43 +21736,49 @@
               <a:pPr rtl="0"/>
               <a:t>9</a:t>
             </a:fld>
-            <a:endParaRPr lang="en-GB" dirty="0"/>
-          </a:p>
-        </p:txBody>
-      </p:sp>
-      <p:pic>
-        <p:nvPicPr>
-          <p:cNvPr id="25" name="Picture 24">
-            <a:extLst>
-              <a:ext uri="{FF2B5EF4-FFF2-40B4-BE49-F238E27FC236}">
-                <a16:creationId xmlns:a16="http://schemas.microsoft.com/office/drawing/2014/main" id="{1338DFF5-DB36-A9B6-AEFE-D6B7A2BF68E0}"/>
-              </a:ext>
-            </a:extLst>
-          </p:cNvPr>
-          <p:cNvPicPr>
-            <a:picLocks noChangeAspect="1"/>
-          </p:cNvPicPr>
-          <p:nvPr/>
-        </p:nvPicPr>
-        <p:blipFill rotWithShape="1">
-          <a:blip r:embed="rId3"/>
-          <a:srcRect l="437" r="-437"/>
-          <a:stretch/>
-        </p:blipFill>
-        <p:spPr>
-          <a:xfrm>
-            <a:off x="1728000" y="1788593"/>
-            <a:ext cx="8951348" cy="4489061"/>
-          </a:xfrm>
-          <a:prstGeom prst="rect">
-            <a:avLst/>
-          </a:prstGeom>
-        </p:spPr>
-      </p:pic>
+            <a:endParaRPr lang="en-GB"/>
+          </a:p>
+        </p:txBody>
+      </p:sp>
+      <p:sp>
+        <p:nvSpPr>
+          <p:cNvPr id="19" name="Text Placeholder 18">
+            <a:extLst>
+              <a:ext uri="{FF2B5EF4-FFF2-40B4-BE49-F238E27FC236}">
+                <a16:creationId xmlns:a16="http://schemas.microsoft.com/office/drawing/2014/main" id="{6AF93BD6-1402-38FD-1FA9-806F41388ABB}"/>
+              </a:ext>
+            </a:extLst>
+          </p:cNvPr>
+          <p:cNvSpPr>
+            <a:spLocks noGrp="1"/>
+          </p:cNvSpPr>
+          <p:nvPr>
+            <p:ph type="body" sz="quarter" idx="13"/>
+          </p:nvPr>
+        </p:nvSpPr>
+        <p:spPr>
+          <a:xfrm>
+            <a:off x="5922869" y="3546585"/>
+            <a:ext cx="5433204" cy="365125"/>
+          </a:xfrm>
+        </p:spPr>
+        <p:txBody>
+          <a:bodyPr>
+            <a:normAutofit lnSpcReduction="10000"/>
+          </a:bodyPr>
+          <a:lstStyle/>
+          <a:p>
+            <a:r>
+              <a:rPr lang="en-GB" dirty="0"/>
+              <a:t>Summary statistics</a:t>
+            </a:r>
+          </a:p>
+        </p:txBody>
+      </p:sp>
     </p:spTree>
     <p:extLst>
       <p:ext uri="{BB962C8B-B14F-4D97-AF65-F5344CB8AC3E}">
-        <p14:creationId xmlns:p14="http://schemas.microsoft.com/office/powerpoint/2010/main" val="2121178069"/>
+        <p14:creationId xmlns:p14="http://schemas.microsoft.com/office/powerpoint/2010/main" val="3831927928"/>
       </p:ext>
     </p:extLst>
   </p:cSld>
@@ -22079,15 +22622,6 @@
 </file>
 
 <file path=customXml/item1.xml><?xml version="1.0" encoding="utf-8"?>
-<?mso-contentType ?>
-<FormTemplates xmlns="http://schemas.microsoft.com/sharepoint/v3/contenttype/forms">
-  <Display>DocumentLibraryForm</Display>
-  <Edit>DocumentLibraryForm</Edit>
-  <New>DocumentLibraryForm</New>
-</FormTemplates>
-</file>
-
-<file path=customXml/item2.xml><?xml version="1.0" encoding="utf-8"?>
 <ct:contentTypeSchema xmlns:ct="http://schemas.microsoft.com/office/2006/metadata/contentType" xmlns:ma="http://schemas.microsoft.com/office/2006/metadata/properties/metaAttributes" ct:_="" ma:_="" ma:contentTypeName="Document" ma:contentTypeID="0x01010079F111ED35F8CC479449609E8A0923A6" ma:contentTypeVersion="20" ma:contentTypeDescription="Create a new document." ma:contentTypeScope="" ma:versionID="1267097ee5f5874adfcc408041ae252e">
   <xsd:schema xmlns:xsd="http://www.w3.org/2001/XMLSchema" xmlns:xs="http://www.w3.org/2001/XMLSchema" xmlns:p="http://schemas.microsoft.com/office/2006/metadata/properties" xmlns:ns1="http://schemas.microsoft.com/sharepoint/v3" xmlns:ns2="71af3243-3dd4-4a8d-8c0d-dd76da1f02a5" xmlns:ns3="16c05727-aa75-4e4a-9b5f-8a80a1165891" xmlns:ns4="230e9df3-be65-4c73-a93b-d1236ebd677e" targetNamespace="http://schemas.microsoft.com/office/2006/metadata/properties" ma:root="true" ma:fieldsID="395891a93df65b14727750f2c06c306c" ns1:_="" ns2:_="" ns3:_="" ns4:_="">
     <xsd:import namespace="http://schemas.microsoft.com/sharepoint/v3"/>
@@ -22363,6 +22897,15 @@
 </ct:contentTypeSchema>
 </file>
 
+<file path=customXml/item2.xml><?xml version="1.0" encoding="utf-8"?>
+<?mso-contentType ?>
+<FormTemplates xmlns="http://schemas.microsoft.com/sharepoint/v3/contenttype/forms">
+  <Display>DocumentLibraryForm</Display>
+  <Edit>DocumentLibraryForm</Edit>
+  <New>DocumentLibraryForm</New>
+</FormTemplates>
+</file>
+
 <file path=customXml/item3.xml><?xml version="1.0" encoding="utf-8"?>
 <p:properties xmlns:p="http://schemas.microsoft.com/office/2006/metadata/properties" xmlns:xsi="http://www.w3.org/2001/XMLSchema-instance" xmlns:pc="http://schemas.microsoft.com/office/infopath/2007/PartnerControls">
   <documentManagement>
@@ -22383,14 +22926,6 @@
 </file>
 
 <file path=customXml/itemProps1.xml><?xml version="1.0" encoding="utf-8"?>
-<ds:datastoreItem xmlns:ds="http://schemas.openxmlformats.org/officeDocument/2006/customXml" ds:itemID="{2D446390-8521-40A2-A462-EA068123BED9}">
-  <ds:schemaRefs>
-    <ds:schemaRef ds:uri="http://schemas.microsoft.com/sharepoint/v3/contenttype/forms"/>
-  </ds:schemaRefs>
-</ds:datastoreItem>
-</file>
-
-<file path=customXml/itemProps2.xml><?xml version="1.0" encoding="utf-8"?>
 <ds:datastoreItem xmlns:ds="http://schemas.openxmlformats.org/officeDocument/2006/customXml" ds:itemID="{01E84A1C-2814-43A7-9448-348326113A45}">
   <ds:schemaRefs>
     <ds:schemaRef ds:uri="http://schemas.microsoft.com/office/2006/metadata/contentType"/>
@@ -22407,6 +22942,14 @@
     <ds:schemaRef ds:uri="http://purl.org/dc/elements/1.1/"/>
     <ds:schemaRef ds:uri="http://purl.org/dc/terms/"/>
     <ds:schemaRef ds:uri="http://schemas.microsoft.com/internal/obd"/>
+  </ds:schemaRefs>
+</ds:datastoreItem>
+</file>
+
+<file path=customXml/itemProps2.xml><?xml version="1.0" encoding="utf-8"?>
+<ds:datastoreItem xmlns:ds="http://schemas.openxmlformats.org/officeDocument/2006/customXml" ds:itemID="{2D446390-8521-40A2-A462-EA068123BED9}">
+  <ds:schemaRefs>
+    <ds:schemaRef ds:uri="http://schemas.microsoft.com/sharepoint/v3/contenttype/forms"/>
   </ds:schemaRefs>
 </ds:datastoreItem>
 </file>
